--- a/Unidad 12- Spring Rest.pptx
+++ b/Unidad 12- Spring Rest.pptx
@@ -5,7 +5,7 @@
     <p:sldMasterId id="2147483660" r:id="rId1"/>
   </p:sldMasterIdLst>
   <p:notesMasterIdLst>
-    <p:notesMasterId r:id="rId42"/>
+    <p:notesMasterId r:id="rId45"/>
   </p:notesMasterIdLst>
   <p:sldIdLst>
     <p:sldId id="256" r:id="rId2"/>
@@ -48,6 +48,9 @@
     <p:sldId id="340" r:id="rId39"/>
     <p:sldId id="341" r:id="rId40"/>
     <p:sldId id="342" r:id="rId41"/>
+    <p:sldId id="343" r:id="rId42"/>
+    <p:sldId id="344" r:id="rId43"/>
+    <p:sldId id="345" r:id="rId44"/>
   </p:sldIdLst>
   <p:sldSz cx="12192000" cy="6858000"/>
   <p:notesSz cx="6858000" cy="9144000"/>
@@ -3758,6 +3761,294 @@
     <p:extLst>
       <p:ext uri="{BB962C8B-B14F-4D97-AF65-F5344CB8AC3E}">
         <p14:creationId xmlns:p14="http://schemas.microsoft.com/office/powerpoint/2010/main" val="2087011778"/>
+      </p:ext>
+    </p:extLst>
+  </p:cSld>
+  <p:clrMapOvr>
+    <a:masterClrMapping/>
+  </p:clrMapOvr>
+</p:notes>
+</file>
+
+<file path=ppt/notesSlides/notesSlide40.xml><?xml version="1.0" encoding="utf-8"?>
+<p:notes xmlns:a="http://schemas.openxmlformats.org/drawingml/2006/main" xmlns:r="http://schemas.openxmlformats.org/officeDocument/2006/relationships" xmlns:p="http://schemas.openxmlformats.org/presentationml/2006/main">
+  <p:cSld>
+    <p:spTree>
+      <p:nvGrpSpPr>
+        <p:cNvPr id="1" name=""/>
+        <p:cNvGrpSpPr/>
+        <p:nvPr/>
+      </p:nvGrpSpPr>
+      <p:grpSpPr>
+        <a:xfrm>
+          <a:off x="0" y="0"/>
+          <a:ext cx="0" cy="0"/>
+          <a:chOff x="0" y="0"/>
+          <a:chExt cx="0" cy="0"/>
+        </a:xfrm>
+      </p:grpSpPr>
+      <p:sp>
+        <p:nvSpPr>
+          <p:cNvPr id="2" name="Marcador de imagen de diapositiva 1"/>
+          <p:cNvSpPr>
+            <a:spLocks noGrp="1" noRot="1" noChangeAspect="1"/>
+          </p:cNvSpPr>
+          <p:nvPr>
+            <p:ph type="sldImg"/>
+          </p:nvPr>
+        </p:nvSpPr>
+        <p:spPr/>
+      </p:sp>
+      <p:sp>
+        <p:nvSpPr>
+          <p:cNvPr id="3" name="Marcador de notas 2"/>
+          <p:cNvSpPr>
+            <a:spLocks noGrp="1"/>
+          </p:cNvSpPr>
+          <p:nvPr>
+            <p:ph type="body" idx="1"/>
+          </p:nvPr>
+        </p:nvSpPr>
+        <p:spPr/>
+        <p:txBody>
+          <a:bodyPr/>
+          <a:lstStyle/>
+          <a:p>
+            <a:r>
+              <a:rPr lang="es-ES" dirty="0"/>
+              <a:t>Si buscamos cualquier definición de inteligencia artificial veremos que la inteligencia es:</a:t>
+            </a:r>
+          </a:p>
+          <a:p>
+            <a:r>
+              <a:rPr lang="es-ES" dirty="0"/>
+              <a:t>Es la capacidad o facultad de entender, razonar, saber, aprender y de resolver problemas. </a:t>
+            </a:r>
+          </a:p>
+          <a:p>
+            <a:endParaRPr lang="es-ES" dirty="0"/>
+          </a:p>
+        </p:txBody>
+      </p:sp>
+      <p:sp>
+        <p:nvSpPr>
+          <p:cNvPr id="4" name="Marcador de número de diapositiva 3"/>
+          <p:cNvSpPr>
+            <a:spLocks noGrp="1"/>
+          </p:cNvSpPr>
+          <p:nvPr>
+            <p:ph type="sldNum" sz="quarter" idx="5"/>
+          </p:nvPr>
+        </p:nvSpPr>
+        <p:spPr/>
+        <p:txBody>
+          <a:bodyPr/>
+          <a:lstStyle/>
+          <a:p>
+            <a:fld id="{D5712D9C-889D-4610-A762-E75BDBE57ED2}" type="slidenum">
+              <a:rPr lang="es-ES" smtClean="0"/>
+              <a:t>41</a:t>
+            </a:fld>
+            <a:endParaRPr lang="es-ES"/>
+          </a:p>
+        </p:txBody>
+      </p:sp>
+    </p:spTree>
+    <p:extLst>
+      <p:ext uri="{BB962C8B-B14F-4D97-AF65-F5344CB8AC3E}">
+        <p14:creationId xmlns:p14="http://schemas.microsoft.com/office/powerpoint/2010/main" val="3475882074"/>
+      </p:ext>
+    </p:extLst>
+  </p:cSld>
+  <p:clrMapOvr>
+    <a:masterClrMapping/>
+  </p:clrMapOvr>
+</p:notes>
+</file>
+
+<file path=ppt/notesSlides/notesSlide41.xml><?xml version="1.0" encoding="utf-8"?>
+<p:notes xmlns:a="http://schemas.openxmlformats.org/drawingml/2006/main" xmlns:r="http://schemas.openxmlformats.org/officeDocument/2006/relationships" xmlns:p="http://schemas.openxmlformats.org/presentationml/2006/main">
+  <p:cSld>
+    <p:spTree>
+      <p:nvGrpSpPr>
+        <p:cNvPr id="1" name=""/>
+        <p:cNvGrpSpPr/>
+        <p:nvPr/>
+      </p:nvGrpSpPr>
+      <p:grpSpPr>
+        <a:xfrm>
+          <a:off x="0" y="0"/>
+          <a:ext cx="0" cy="0"/>
+          <a:chOff x="0" y="0"/>
+          <a:chExt cx="0" cy="0"/>
+        </a:xfrm>
+      </p:grpSpPr>
+      <p:sp>
+        <p:nvSpPr>
+          <p:cNvPr id="2" name="Marcador de imagen de diapositiva 1"/>
+          <p:cNvSpPr>
+            <a:spLocks noGrp="1" noRot="1" noChangeAspect="1"/>
+          </p:cNvSpPr>
+          <p:nvPr>
+            <p:ph type="sldImg"/>
+          </p:nvPr>
+        </p:nvSpPr>
+        <p:spPr/>
+      </p:sp>
+      <p:sp>
+        <p:nvSpPr>
+          <p:cNvPr id="3" name="Marcador de notas 2"/>
+          <p:cNvSpPr>
+            <a:spLocks noGrp="1"/>
+          </p:cNvSpPr>
+          <p:nvPr>
+            <p:ph type="body" idx="1"/>
+          </p:nvPr>
+        </p:nvSpPr>
+        <p:spPr/>
+        <p:txBody>
+          <a:bodyPr/>
+          <a:lstStyle/>
+          <a:p>
+            <a:r>
+              <a:rPr lang="es-ES" dirty="0"/>
+              <a:t>Si buscamos cualquier definición de inteligencia artificial veremos que la inteligencia es:</a:t>
+            </a:r>
+          </a:p>
+          <a:p>
+            <a:r>
+              <a:rPr lang="es-ES" dirty="0"/>
+              <a:t>Es la capacidad o facultad de entender, razonar, saber, aprender y de resolver problemas. </a:t>
+            </a:r>
+          </a:p>
+          <a:p>
+            <a:endParaRPr lang="es-ES" dirty="0"/>
+          </a:p>
+        </p:txBody>
+      </p:sp>
+      <p:sp>
+        <p:nvSpPr>
+          <p:cNvPr id="4" name="Marcador de número de diapositiva 3"/>
+          <p:cNvSpPr>
+            <a:spLocks noGrp="1"/>
+          </p:cNvSpPr>
+          <p:nvPr>
+            <p:ph type="sldNum" sz="quarter" idx="5"/>
+          </p:nvPr>
+        </p:nvSpPr>
+        <p:spPr/>
+        <p:txBody>
+          <a:bodyPr/>
+          <a:lstStyle/>
+          <a:p>
+            <a:fld id="{D5712D9C-889D-4610-A762-E75BDBE57ED2}" type="slidenum">
+              <a:rPr lang="es-ES" smtClean="0"/>
+              <a:t>42</a:t>
+            </a:fld>
+            <a:endParaRPr lang="es-ES"/>
+          </a:p>
+        </p:txBody>
+      </p:sp>
+    </p:spTree>
+    <p:extLst>
+      <p:ext uri="{BB962C8B-B14F-4D97-AF65-F5344CB8AC3E}">
+        <p14:creationId xmlns:p14="http://schemas.microsoft.com/office/powerpoint/2010/main" val="2620818888"/>
+      </p:ext>
+    </p:extLst>
+  </p:cSld>
+  <p:clrMapOvr>
+    <a:masterClrMapping/>
+  </p:clrMapOvr>
+</p:notes>
+</file>
+
+<file path=ppt/notesSlides/notesSlide42.xml><?xml version="1.0" encoding="utf-8"?>
+<p:notes xmlns:a="http://schemas.openxmlformats.org/drawingml/2006/main" xmlns:r="http://schemas.openxmlformats.org/officeDocument/2006/relationships" xmlns:p="http://schemas.openxmlformats.org/presentationml/2006/main">
+  <p:cSld>
+    <p:spTree>
+      <p:nvGrpSpPr>
+        <p:cNvPr id="1" name=""/>
+        <p:cNvGrpSpPr/>
+        <p:nvPr/>
+      </p:nvGrpSpPr>
+      <p:grpSpPr>
+        <a:xfrm>
+          <a:off x="0" y="0"/>
+          <a:ext cx="0" cy="0"/>
+          <a:chOff x="0" y="0"/>
+          <a:chExt cx="0" cy="0"/>
+        </a:xfrm>
+      </p:grpSpPr>
+      <p:sp>
+        <p:nvSpPr>
+          <p:cNvPr id="2" name="Marcador de imagen de diapositiva 1"/>
+          <p:cNvSpPr>
+            <a:spLocks noGrp="1" noRot="1" noChangeAspect="1"/>
+          </p:cNvSpPr>
+          <p:nvPr>
+            <p:ph type="sldImg"/>
+          </p:nvPr>
+        </p:nvSpPr>
+        <p:spPr/>
+      </p:sp>
+      <p:sp>
+        <p:nvSpPr>
+          <p:cNvPr id="3" name="Marcador de notas 2"/>
+          <p:cNvSpPr>
+            <a:spLocks noGrp="1"/>
+          </p:cNvSpPr>
+          <p:nvPr>
+            <p:ph type="body" idx="1"/>
+          </p:nvPr>
+        </p:nvSpPr>
+        <p:spPr/>
+        <p:txBody>
+          <a:bodyPr/>
+          <a:lstStyle/>
+          <a:p>
+            <a:r>
+              <a:rPr lang="es-ES" dirty="0"/>
+              <a:t>Si buscamos cualquier definición de inteligencia artificial veremos que la inteligencia es:</a:t>
+            </a:r>
+          </a:p>
+          <a:p>
+            <a:r>
+              <a:rPr lang="es-ES" dirty="0"/>
+              <a:t>Es la capacidad o facultad de entender, razonar, saber, aprender y de resolver problemas. </a:t>
+            </a:r>
+          </a:p>
+          <a:p>
+            <a:endParaRPr lang="es-ES" dirty="0"/>
+          </a:p>
+        </p:txBody>
+      </p:sp>
+      <p:sp>
+        <p:nvSpPr>
+          <p:cNvPr id="4" name="Marcador de número de diapositiva 3"/>
+          <p:cNvSpPr>
+            <a:spLocks noGrp="1"/>
+          </p:cNvSpPr>
+          <p:nvPr>
+            <p:ph type="sldNum" sz="quarter" idx="5"/>
+          </p:nvPr>
+        </p:nvSpPr>
+        <p:spPr/>
+        <p:txBody>
+          <a:bodyPr/>
+          <a:lstStyle/>
+          <a:p>
+            <a:fld id="{D5712D9C-889D-4610-A762-E75BDBE57ED2}" type="slidenum">
+              <a:rPr lang="es-ES" smtClean="0"/>
+              <a:t>43</a:t>
+            </a:fld>
+            <a:endParaRPr lang="es-ES"/>
+          </a:p>
+        </p:txBody>
+      </p:sp>
+    </p:spTree>
+    <p:extLst>
+      <p:ext uri="{BB962C8B-B14F-4D97-AF65-F5344CB8AC3E}">
+        <p14:creationId xmlns:p14="http://schemas.microsoft.com/office/powerpoint/2010/main" val="67953506"/>
       </p:ext>
     </p:extLst>
   </p:cSld>
@@ -39759,10 +40050,2847 @@
           </a:p>
         </p:txBody>
       </p:sp>
+      <p:pic>
+        <p:nvPicPr>
+          <p:cNvPr id="4" name="Imagen 3">
+            <a:extLst>
+              <a:ext uri="{FF2B5EF4-FFF2-40B4-BE49-F238E27FC236}">
+                <a16:creationId xmlns:a16="http://schemas.microsoft.com/office/drawing/2014/main" id="{E561149E-BBB9-F83B-B30C-1B11892BD407}"/>
+              </a:ext>
+            </a:extLst>
+          </p:cNvPr>
+          <p:cNvPicPr>
+            <a:picLocks noChangeAspect="1"/>
+          </p:cNvPicPr>
+          <p:nvPr/>
+        </p:nvPicPr>
+        <p:blipFill>
+          <a:blip r:embed="rId5"/>
+          <a:stretch>
+            <a:fillRect/>
+          </a:stretch>
+        </p:blipFill>
+        <p:spPr>
+          <a:xfrm>
+            <a:off x="6698370" y="1794144"/>
+            <a:ext cx="2789663" cy="4144508"/>
+          </a:xfrm>
+          <a:prstGeom prst="rect">
+            <a:avLst/>
+          </a:prstGeom>
+        </p:spPr>
+      </p:pic>
     </p:spTree>
     <p:extLst>
       <p:ext uri="{BB962C8B-B14F-4D97-AF65-F5344CB8AC3E}">
         <p14:creationId xmlns:p14="http://schemas.microsoft.com/office/powerpoint/2010/main" val="1465801075"/>
+      </p:ext>
+    </p:extLst>
+  </p:cSld>
+  <p:clrMapOvr>
+    <a:masterClrMapping/>
+  </p:clrMapOvr>
+</p:sld>
+</file>
+
+<file path=ppt/slides/slide41.xml><?xml version="1.0" encoding="utf-8"?>
+<p:sld xmlns:a="http://schemas.openxmlformats.org/drawingml/2006/main" xmlns:r="http://schemas.openxmlformats.org/officeDocument/2006/relationships" xmlns:p="http://schemas.openxmlformats.org/presentationml/2006/main">
+  <p:cSld>
+    <p:spTree>
+      <p:nvGrpSpPr>
+        <p:cNvPr id="1" name=""/>
+        <p:cNvGrpSpPr/>
+        <p:nvPr/>
+      </p:nvGrpSpPr>
+      <p:grpSpPr>
+        <a:xfrm>
+          <a:off x="0" y="0"/>
+          <a:ext cx="0" cy="0"/>
+          <a:chOff x="0" y="0"/>
+          <a:chExt cx="0" cy="0"/>
+        </a:xfrm>
+      </p:grpSpPr>
+      <p:pic>
+        <p:nvPicPr>
+          <p:cNvPr id="1032" name="Picture 8" descr="Nuestro Equipo">
+            <a:extLst>
+              <a:ext uri="{FF2B5EF4-FFF2-40B4-BE49-F238E27FC236}">
+                <a16:creationId xmlns:a16="http://schemas.microsoft.com/office/drawing/2014/main" id="{9948F5C4-A11B-BB63-E587-6CEB747BDDEB}"/>
+              </a:ext>
+            </a:extLst>
+          </p:cNvPr>
+          <p:cNvPicPr>
+            <a:picLocks noChangeAspect="1" noChangeArrowheads="1"/>
+          </p:cNvPicPr>
+          <p:nvPr/>
+        </p:nvPicPr>
+        <p:blipFill>
+          <a:blip r:embed="rId3">
+            <a:extLst>
+              <a:ext uri="{28A0092B-C50C-407E-A947-70E740481C1C}">
+                <a14:useLocalDpi xmlns:a14="http://schemas.microsoft.com/office/drawing/2010/main" val="0"/>
+              </a:ext>
+            </a:extLst>
+          </a:blip>
+          <a:srcRect/>
+          <a:stretch>
+            <a:fillRect/>
+          </a:stretch>
+        </p:blipFill>
+        <p:spPr bwMode="auto">
+          <a:xfrm>
+            <a:off x="11003858" y="6068461"/>
+            <a:ext cx="675692" cy="675692"/>
+          </a:xfrm>
+          <a:prstGeom prst="rect">
+            <a:avLst/>
+          </a:prstGeom>
+          <a:noFill/>
+          <a:extLst>
+            <a:ext uri="{909E8E84-426E-40DD-AFC4-6F175D3DCCD1}">
+              <a14:hiddenFill xmlns:a14="http://schemas.microsoft.com/office/drawing/2010/main">
+                <a:solidFill>
+                  <a:srgbClr val="FFFFFF"/>
+                </a:solidFill>
+              </a14:hiddenFill>
+            </a:ext>
+          </a:extLst>
+        </p:spPr>
+      </p:pic>
+      <p:sp>
+        <p:nvSpPr>
+          <p:cNvPr id="3" name="CuadroTexto 2">
+            <a:extLst>
+              <a:ext uri="{FF2B5EF4-FFF2-40B4-BE49-F238E27FC236}">
+                <a16:creationId xmlns:a16="http://schemas.microsoft.com/office/drawing/2014/main" id="{D1FA320B-398B-F9F1-38EA-BAF5DD083F19}"/>
+              </a:ext>
+            </a:extLst>
+          </p:cNvPr>
+          <p:cNvSpPr txBox="1"/>
+          <p:nvPr/>
+        </p:nvSpPr>
+        <p:spPr>
+          <a:xfrm>
+            <a:off x="1088869" y="623936"/>
+            <a:ext cx="9257419" cy="11757065"/>
+          </a:xfrm>
+          <a:prstGeom prst="rect">
+            <a:avLst/>
+          </a:prstGeom>
+          <a:noFill/>
+        </p:spPr>
+        <p:txBody>
+          <a:bodyPr wrap="square" rtlCol="0">
+            <a:spAutoFit/>
+          </a:bodyPr>
+          <a:lstStyle/>
+          <a:p>
+            <a:r>
+              <a:rPr lang="es-ES" dirty="0"/>
+              <a:t>SPRING FRAMEWORK</a:t>
+            </a:r>
+          </a:p>
+          <a:p>
+            <a:pPr lvl="1"/>
+            <a:endParaRPr lang="es-ES" sz="1200" dirty="0">
+              <a:solidFill>
+                <a:srgbClr val="FF0000"/>
+              </a:solidFill>
+              <a:latin typeface="Titillium Web" panose="00000500000000000000" pitchFamily="2" charset="0"/>
+            </a:endParaRPr>
+          </a:p>
+          <a:p>
+            <a:pPr lvl="1"/>
+            <a:endParaRPr lang="es-ES" sz="1200" dirty="0">
+              <a:solidFill>
+                <a:schemeClr val="accent4">
+                  <a:lumMod val="60000"/>
+                  <a:lumOff val="40000"/>
+                </a:schemeClr>
+              </a:solidFill>
+              <a:latin typeface="Titillium Web" panose="00000500000000000000" pitchFamily="2" charset="0"/>
+            </a:endParaRPr>
+          </a:p>
+          <a:p>
+            <a:pPr lvl="1"/>
+            <a:r>
+              <a:rPr lang="es-ES" sz="1200" dirty="0">
+                <a:solidFill>
+                  <a:schemeClr val="accent4">
+                    <a:lumMod val="60000"/>
+                    <a:lumOff val="40000"/>
+                  </a:schemeClr>
+                </a:solidFill>
+                <a:latin typeface="Titillium Web" panose="00000500000000000000" pitchFamily="2" charset="0"/>
+              </a:rPr>
+              <a:t>SPRING REST</a:t>
+            </a:r>
+          </a:p>
+          <a:p>
+            <a:pPr lvl="1"/>
+            <a:endParaRPr lang="es-ES" sz="1200" dirty="0">
+              <a:solidFill>
+                <a:schemeClr val="accent4">
+                  <a:lumMod val="60000"/>
+                  <a:lumOff val="40000"/>
+                </a:schemeClr>
+              </a:solidFill>
+              <a:latin typeface="Titillium Web" panose="00000500000000000000" pitchFamily="2" charset="0"/>
+            </a:endParaRPr>
+          </a:p>
+          <a:p>
+            <a:pPr lvl="1"/>
+            <a:endParaRPr lang="es-ES" sz="1200" dirty="0">
+              <a:solidFill>
+                <a:schemeClr val="accent4">
+                  <a:lumMod val="60000"/>
+                  <a:lumOff val="40000"/>
+                </a:schemeClr>
+              </a:solidFill>
+            </a:endParaRPr>
+          </a:p>
+          <a:p>
+            <a:pPr lvl="1"/>
+            <a:r>
+              <a:rPr lang="es-ES" sz="1200" dirty="0">
+                <a:solidFill>
+                  <a:schemeClr val="accent4">
+                    <a:lumMod val="60000"/>
+                    <a:lumOff val="40000"/>
+                  </a:schemeClr>
+                </a:solidFill>
+              </a:rPr>
+              <a:t>Mi primer proyecto REST en Spring</a:t>
+            </a:r>
+          </a:p>
+          <a:p>
+            <a:pPr lvl="1"/>
+            <a:endParaRPr lang="es-ES" sz="1200" dirty="0">
+              <a:solidFill>
+                <a:schemeClr val="accent4">
+                  <a:lumMod val="60000"/>
+                  <a:lumOff val="40000"/>
+                </a:schemeClr>
+              </a:solidFill>
+            </a:endParaRPr>
+          </a:p>
+          <a:p>
+            <a:pPr lvl="1"/>
+            <a:r>
+              <a:rPr lang="es-ES" sz="1200" dirty="0"/>
+              <a:t>Creamos el proyecto</a:t>
+            </a:r>
+          </a:p>
+          <a:p>
+            <a:pPr lvl="1"/>
+            <a:endParaRPr lang="es-ES" sz="1200" dirty="0">
+              <a:solidFill>
+                <a:schemeClr val="accent4">
+                  <a:lumMod val="60000"/>
+                  <a:lumOff val="40000"/>
+                </a:schemeClr>
+              </a:solidFill>
+            </a:endParaRPr>
+          </a:p>
+          <a:p>
+            <a:pPr lvl="1"/>
+            <a:r>
+              <a:rPr lang="es-ES" sz="1200" dirty="0">
+                <a:solidFill>
+                  <a:schemeClr val="accent4">
+                    <a:lumMod val="60000"/>
+                    <a:lumOff val="40000"/>
+                  </a:schemeClr>
+                </a:solidFill>
+              </a:rPr>
+              <a:t>Definimos nuestro método en el @Controller que realice un alta en la base de datos. </a:t>
+            </a:r>
+          </a:p>
+          <a:p>
+            <a:pPr lvl="1"/>
+            <a:endParaRPr lang="es-ES" sz="1200" dirty="0">
+              <a:solidFill>
+                <a:schemeClr val="accent4">
+                  <a:lumMod val="60000"/>
+                  <a:lumOff val="40000"/>
+                </a:schemeClr>
+              </a:solidFill>
+            </a:endParaRPr>
+          </a:p>
+          <a:p>
+            <a:pPr lvl="1"/>
+            <a:r>
+              <a:rPr lang="es-ES" sz="1200" dirty="0">
+                <a:solidFill>
+                  <a:schemeClr val="accent4">
+                    <a:lumMod val="60000"/>
+                    <a:lumOff val="40000"/>
+                  </a:schemeClr>
+                </a:solidFill>
+              </a:rPr>
+              <a:t>Recordar añadir @Transactional</a:t>
+            </a:r>
+          </a:p>
+          <a:p>
+            <a:pPr lvl="1"/>
+            <a:endParaRPr lang="es-ES" sz="1200" dirty="0">
+              <a:solidFill>
+                <a:schemeClr val="accent4">
+                  <a:lumMod val="60000"/>
+                  <a:lumOff val="40000"/>
+                </a:schemeClr>
+              </a:solidFill>
+            </a:endParaRPr>
+          </a:p>
+          <a:p>
+            <a:r>
+              <a:rPr lang="es-ES" sz="1000" b="0" dirty="0">
+                <a:solidFill>
+                  <a:srgbClr val="839496"/>
+                </a:solidFill>
+                <a:effectLst/>
+                <a:latin typeface="Consolas" panose="020B0609020204030204" pitchFamily="49" charset="0"/>
+              </a:rPr>
+              <a:t>     @</a:t>
+            </a:r>
+            <a:r>
+              <a:rPr lang="es-ES" sz="1000" b="1" dirty="0">
+                <a:solidFill>
+                  <a:srgbClr val="93A1A1"/>
+                </a:solidFill>
+                <a:effectLst/>
+                <a:latin typeface="Consolas" panose="020B0609020204030204" pitchFamily="49" charset="0"/>
+              </a:rPr>
+              <a:t>Override</a:t>
+            </a:r>
+            <a:endParaRPr lang="es-ES" sz="1000" b="0" dirty="0">
+              <a:solidFill>
+                <a:srgbClr val="839496"/>
+              </a:solidFill>
+              <a:effectLst/>
+              <a:latin typeface="Consolas" panose="020B0609020204030204" pitchFamily="49" charset="0"/>
+            </a:endParaRPr>
+          </a:p>
+          <a:p>
+            <a:r>
+              <a:rPr lang="es-ES" sz="1000" b="0" dirty="0">
+                <a:solidFill>
+                  <a:srgbClr val="839496"/>
+                </a:solidFill>
+                <a:effectLst/>
+                <a:latin typeface="Consolas" panose="020B0609020204030204" pitchFamily="49" charset="0"/>
+              </a:rPr>
+              <a:t>    @</a:t>
+            </a:r>
+            <a:r>
+              <a:rPr lang="es-ES" sz="1000" b="1" dirty="0">
+                <a:solidFill>
+                  <a:srgbClr val="93A1A1"/>
+                </a:solidFill>
+                <a:effectLst/>
+                <a:latin typeface="Consolas" panose="020B0609020204030204" pitchFamily="49" charset="0"/>
+              </a:rPr>
+              <a:t>Transactional</a:t>
+            </a:r>
+            <a:endParaRPr lang="es-ES" sz="1000" b="0" dirty="0">
+              <a:solidFill>
+                <a:srgbClr val="839496"/>
+              </a:solidFill>
+              <a:effectLst/>
+              <a:latin typeface="Consolas" panose="020B0609020204030204" pitchFamily="49" charset="0"/>
+            </a:endParaRPr>
+          </a:p>
+          <a:p>
+            <a:r>
+              <a:rPr lang="es-ES" sz="1000" b="0" dirty="0">
+                <a:solidFill>
+                  <a:srgbClr val="839496"/>
+                </a:solidFill>
+                <a:effectLst/>
+                <a:latin typeface="Consolas" panose="020B0609020204030204" pitchFamily="49" charset="0"/>
+              </a:rPr>
+              <a:t>    </a:t>
+            </a:r>
+            <a:r>
+              <a:rPr lang="es-ES" sz="1000" b="1" dirty="0" err="1">
+                <a:solidFill>
+                  <a:srgbClr val="93A1A1"/>
+                </a:solidFill>
+                <a:effectLst/>
+                <a:latin typeface="Consolas" panose="020B0609020204030204" pitchFamily="49" charset="0"/>
+              </a:rPr>
+              <a:t>public</a:t>
+            </a:r>
+            <a:r>
+              <a:rPr lang="es-ES" sz="1000" b="0" dirty="0">
+                <a:solidFill>
+                  <a:srgbClr val="839496"/>
+                </a:solidFill>
+                <a:effectLst/>
+                <a:latin typeface="Consolas" panose="020B0609020204030204" pitchFamily="49" charset="0"/>
+              </a:rPr>
+              <a:t> </a:t>
+            </a:r>
+            <a:r>
+              <a:rPr lang="es-ES" sz="1000" b="0" dirty="0">
+                <a:solidFill>
+                  <a:srgbClr val="CB4B16"/>
+                </a:solidFill>
+                <a:effectLst/>
+                <a:latin typeface="Consolas" panose="020B0609020204030204" pitchFamily="49" charset="0"/>
+              </a:rPr>
+              <a:t>Usuarios</a:t>
+            </a:r>
+            <a:r>
+              <a:rPr lang="es-ES" sz="1000" b="0" dirty="0">
+                <a:solidFill>
+                  <a:srgbClr val="839496"/>
+                </a:solidFill>
+                <a:effectLst/>
+                <a:latin typeface="Consolas" panose="020B0609020204030204" pitchFamily="49" charset="0"/>
+              </a:rPr>
+              <a:t> </a:t>
+            </a:r>
+            <a:r>
+              <a:rPr lang="es-ES" sz="1000" b="0" dirty="0" err="1">
+                <a:solidFill>
+                  <a:srgbClr val="268BD2"/>
+                </a:solidFill>
+                <a:effectLst/>
+                <a:latin typeface="Consolas" panose="020B0609020204030204" pitchFamily="49" charset="0"/>
+              </a:rPr>
+              <a:t>save</a:t>
+            </a:r>
+            <a:r>
+              <a:rPr lang="es-ES" sz="1000" b="0" dirty="0">
+                <a:solidFill>
+                  <a:srgbClr val="839496"/>
+                </a:solidFill>
+                <a:effectLst/>
+                <a:latin typeface="Consolas" panose="020B0609020204030204" pitchFamily="49" charset="0"/>
+              </a:rPr>
+              <a:t>(</a:t>
+            </a:r>
+            <a:r>
+              <a:rPr lang="es-ES" sz="1000" b="0" dirty="0">
+                <a:solidFill>
+                  <a:srgbClr val="CB4B16"/>
+                </a:solidFill>
+                <a:effectLst/>
+                <a:latin typeface="Consolas" panose="020B0609020204030204" pitchFamily="49" charset="0"/>
+              </a:rPr>
+              <a:t>Usuarios</a:t>
+            </a:r>
+            <a:r>
+              <a:rPr lang="es-ES" sz="1000" b="0" dirty="0">
+                <a:solidFill>
+                  <a:srgbClr val="839496"/>
+                </a:solidFill>
+                <a:effectLst/>
+                <a:latin typeface="Consolas" panose="020B0609020204030204" pitchFamily="49" charset="0"/>
+              </a:rPr>
+              <a:t> usuario) {</a:t>
+            </a:r>
+          </a:p>
+          <a:p>
+            <a:r>
+              <a:rPr lang="es-ES" sz="1000" b="0" dirty="0">
+                <a:solidFill>
+                  <a:srgbClr val="839496"/>
+                </a:solidFill>
+                <a:effectLst/>
+                <a:latin typeface="Consolas" panose="020B0609020204030204" pitchFamily="49" charset="0"/>
+              </a:rPr>
+              <a:t>    </a:t>
+            </a:r>
+          </a:p>
+          <a:p>
+            <a:r>
+              <a:rPr lang="es-ES" sz="1000" b="0" dirty="0">
+                <a:solidFill>
+                  <a:srgbClr val="839496"/>
+                </a:solidFill>
+                <a:effectLst/>
+                <a:latin typeface="Consolas" panose="020B0609020204030204" pitchFamily="49" charset="0"/>
+              </a:rPr>
+              <a:t>        </a:t>
+            </a:r>
+            <a:r>
+              <a:rPr lang="es-ES" sz="1000" b="0" dirty="0" err="1">
+                <a:solidFill>
+                  <a:srgbClr val="859900"/>
+                </a:solidFill>
+                <a:effectLst/>
+                <a:latin typeface="Consolas" panose="020B0609020204030204" pitchFamily="49" charset="0"/>
+              </a:rPr>
+              <a:t>if</a:t>
+            </a:r>
+            <a:r>
+              <a:rPr lang="es-ES" sz="1000" b="0" dirty="0">
+                <a:solidFill>
+                  <a:srgbClr val="839496"/>
+                </a:solidFill>
+                <a:effectLst/>
+                <a:latin typeface="Consolas" panose="020B0609020204030204" pitchFamily="49" charset="0"/>
+              </a:rPr>
+              <a:t> (</a:t>
+            </a:r>
+            <a:r>
+              <a:rPr lang="es-ES" sz="1000" b="0" dirty="0" err="1">
+                <a:solidFill>
+                  <a:srgbClr val="268BD2"/>
+                </a:solidFill>
+                <a:effectLst/>
+                <a:latin typeface="Consolas" panose="020B0609020204030204" pitchFamily="49" charset="0"/>
+              </a:rPr>
+              <a:t>usuario</a:t>
+            </a:r>
+            <a:r>
+              <a:rPr lang="es-ES" sz="1000" b="0" dirty="0" err="1">
+                <a:solidFill>
+                  <a:srgbClr val="839496"/>
+                </a:solidFill>
+                <a:effectLst/>
+                <a:latin typeface="Consolas" panose="020B0609020204030204" pitchFamily="49" charset="0"/>
+              </a:rPr>
+              <a:t>.</a:t>
+            </a:r>
+            <a:r>
+              <a:rPr lang="es-ES" sz="1000" b="0" dirty="0" err="1">
+                <a:solidFill>
+                  <a:srgbClr val="268BD2"/>
+                </a:solidFill>
+                <a:effectLst/>
+                <a:latin typeface="Consolas" panose="020B0609020204030204" pitchFamily="49" charset="0"/>
+              </a:rPr>
+              <a:t>getId</a:t>
+            </a:r>
+            <a:r>
+              <a:rPr lang="es-ES" sz="1000" b="0" dirty="0">
+                <a:solidFill>
+                  <a:srgbClr val="839496"/>
+                </a:solidFill>
+                <a:effectLst/>
+                <a:latin typeface="Consolas" panose="020B0609020204030204" pitchFamily="49" charset="0"/>
+              </a:rPr>
+              <a:t>() </a:t>
+            </a:r>
+            <a:r>
+              <a:rPr lang="es-ES" sz="1000" b="0" dirty="0">
+                <a:solidFill>
+                  <a:srgbClr val="859900"/>
+                </a:solidFill>
+                <a:effectLst/>
+                <a:latin typeface="Consolas" panose="020B0609020204030204" pitchFamily="49" charset="0"/>
+              </a:rPr>
+              <a:t>!=</a:t>
+            </a:r>
+            <a:r>
+              <a:rPr lang="es-ES" sz="1000" b="0" dirty="0">
+                <a:solidFill>
+                  <a:srgbClr val="839496"/>
+                </a:solidFill>
+                <a:effectLst/>
+                <a:latin typeface="Consolas" panose="020B0609020204030204" pitchFamily="49" charset="0"/>
+              </a:rPr>
+              <a:t> </a:t>
+            </a:r>
+            <a:r>
+              <a:rPr lang="es-ES" sz="1000" b="0" dirty="0">
+                <a:solidFill>
+                  <a:srgbClr val="D33682"/>
+                </a:solidFill>
+                <a:effectLst/>
+                <a:latin typeface="Consolas" panose="020B0609020204030204" pitchFamily="49" charset="0"/>
+              </a:rPr>
+              <a:t>0</a:t>
+            </a:r>
+            <a:r>
+              <a:rPr lang="es-ES" sz="1000" b="0" dirty="0">
+                <a:solidFill>
+                  <a:srgbClr val="839496"/>
+                </a:solidFill>
+                <a:effectLst/>
+                <a:latin typeface="Consolas" panose="020B0609020204030204" pitchFamily="49" charset="0"/>
+              </a:rPr>
+              <a:t> </a:t>
+            </a:r>
+            <a:r>
+              <a:rPr lang="es-ES" sz="1000" b="0" dirty="0">
+                <a:solidFill>
+                  <a:srgbClr val="859900"/>
+                </a:solidFill>
+                <a:effectLst/>
+                <a:latin typeface="Consolas" panose="020B0609020204030204" pitchFamily="49" charset="0"/>
+              </a:rPr>
+              <a:t>&amp;&amp;</a:t>
+            </a:r>
+            <a:r>
+              <a:rPr lang="es-ES" sz="1000" b="0" dirty="0">
+                <a:solidFill>
+                  <a:srgbClr val="839496"/>
+                </a:solidFill>
+                <a:effectLst/>
+                <a:latin typeface="Consolas" panose="020B0609020204030204" pitchFamily="49" charset="0"/>
+              </a:rPr>
+              <a:t> </a:t>
+            </a:r>
+            <a:r>
+              <a:rPr lang="es-ES" sz="1000" b="0" dirty="0" err="1">
+                <a:solidFill>
+                  <a:srgbClr val="268BD2"/>
+                </a:solidFill>
+                <a:effectLst/>
+                <a:latin typeface="Consolas" panose="020B0609020204030204" pitchFamily="49" charset="0"/>
+              </a:rPr>
+              <a:t>usuario</a:t>
+            </a:r>
+            <a:r>
+              <a:rPr lang="es-ES" sz="1000" b="0" dirty="0" err="1">
+                <a:solidFill>
+                  <a:srgbClr val="839496"/>
+                </a:solidFill>
+                <a:effectLst/>
+                <a:latin typeface="Consolas" panose="020B0609020204030204" pitchFamily="49" charset="0"/>
+              </a:rPr>
+              <a:t>.</a:t>
+            </a:r>
+            <a:r>
+              <a:rPr lang="es-ES" sz="1000" b="0" dirty="0" err="1">
+                <a:solidFill>
+                  <a:srgbClr val="268BD2"/>
+                </a:solidFill>
+                <a:effectLst/>
+                <a:latin typeface="Consolas" panose="020B0609020204030204" pitchFamily="49" charset="0"/>
+              </a:rPr>
+              <a:t>getId</a:t>
+            </a:r>
+            <a:r>
+              <a:rPr lang="es-ES" sz="1000" b="0" dirty="0">
+                <a:solidFill>
+                  <a:srgbClr val="839496"/>
+                </a:solidFill>
+                <a:effectLst/>
+                <a:latin typeface="Consolas" panose="020B0609020204030204" pitchFamily="49" charset="0"/>
+              </a:rPr>
+              <a:t>() </a:t>
+            </a:r>
+            <a:r>
+              <a:rPr lang="es-ES" sz="1000" b="0" dirty="0">
+                <a:solidFill>
+                  <a:srgbClr val="859900"/>
+                </a:solidFill>
+                <a:effectLst/>
+                <a:latin typeface="Consolas" panose="020B0609020204030204" pitchFamily="49" charset="0"/>
+              </a:rPr>
+              <a:t>&gt;</a:t>
+            </a:r>
+            <a:r>
+              <a:rPr lang="es-ES" sz="1000" b="0" dirty="0">
+                <a:solidFill>
+                  <a:srgbClr val="839496"/>
+                </a:solidFill>
+                <a:effectLst/>
+                <a:latin typeface="Consolas" panose="020B0609020204030204" pitchFamily="49" charset="0"/>
+              </a:rPr>
+              <a:t> </a:t>
+            </a:r>
+            <a:r>
+              <a:rPr lang="es-ES" sz="1000" b="0" dirty="0">
+                <a:solidFill>
+                  <a:srgbClr val="D33682"/>
+                </a:solidFill>
+                <a:effectLst/>
+                <a:latin typeface="Consolas" panose="020B0609020204030204" pitchFamily="49" charset="0"/>
+              </a:rPr>
+              <a:t>0</a:t>
+            </a:r>
+            <a:r>
+              <a:rPr lang="es-ES" sz="1000" b="0" dirty="0">
+                <a:solidFill>
+                  <a:srgbClr val="839496"/>
+                </a:solidFill>
+                <a:effectLst/>
+                <a:latin typeface="Consolas" panose="020B0609020204030204" pitchFamily="49" charset="0"/>
+              </a:rPr>
+              <a:t>) {</a:t>
+            </a:r>
+          </a:p>
+          <a:p>
+            <a:r>
+              <a:rPr lang="es-ES" sz="1000" b="0" dirty="0">
+                <a:solidFill>
+                  <a:srgbClr val="839496"/>
+                </a:solidFill>
+                <a:effectLst/>
+                <a:latin typeface="Consolas" panose="020B0609020204030204" pitchFamily="49" charset="0"/>
+              </a:rPr>
+              <a:t>            </a:t>
+            </a:r>
+            <a:r>
+              <a:rPr lang="es-ES" sz="1000" b="0" i="1" dirty="0">
+                <a:solidFill>
+                  <a:srgbClr val="586E75"/>
+                </a:solidFill>
+                <a:effectLst/>
+                <a:latin typeface="Consolas" panose="020B0609020204030204" pitchFamily="49" charset="0"/>
+              </a:rPr>
+              <a:t>//Modificamos(Actualiza).</a:t>
+            </a:r>
+            <a:endParaRPr lang="es-ES" sz="1000" b="0" dirty="0">
+              <a:solidFill>
+                <a:srgbClr val="839496"/>
+              </a:solidFill>
+              <a:effectLst/>
+              <a:latin typeface="Consolas" panose="020B0609020204030204" pitchFamily="49" charset="0"/>
+            </a:endParaRPr>
+          </a:p>
+          <a:p>
+            <a:r>
+              <a:rPr lang="es-ES" sz="1000" b="0" dirty="0">
+                <a:solidFill>
+                  <a:srgbClr val="839496"/>
+                </a:solidFill>
+                <a:effectLst/>
+                <a:latin typeface="Consolas" panose="020B0609020204030204" pitchFamily="49" charset="0"/>
+              </a:rPr>
+              <a:t>            </a:t>
+            </a:r>
+            <a:r>
+              <a:rPr lang="es-ES" sz="1000" b="0" dirty="0" err="1">
+                <a:solidFill>
+                  <a:srgbClr val="268BD2"/>
+                </a:solidFill>
+                <a:effectLst/>
+                <a:latin typeface="Consolas" panose="020B0609020204030204" pitchFamily="49" charset="0"/>
+              </a:rPr>
+              <a:t>em</a:t>
+            </a:r>
+            <a:r>
+              <a:rPr lang="es-ES" sz="1000" b="0" dirty="0" err="1">
+                <a:solidFill>
+                  <a:srgbClr val="839496"/>
+                </a:solidFill>
+                <a:effectLst/>
+                <a:latin typeface="Consolas" panose="020B0609020204030204" pitchFamily="49" charset="0"/>
+              </a:rPr>
+              <a:t>.</a:t>
+            </a:r>
+            <a:r>
+              <a:rPr lang="es-ES" sz="1000" b="0" dirty="0" err="1">
+                <a:solidFill>
+                  <a:srgbClr val="268BD2"/>
+                </a:solidFill>
+                <a:effectLst/>
+                <a:latin typeface="Consolas" panose="020B0609020204030204" pitchFamily="49" charset="0"/>
+              </a:rPr>
+              <a:t>merge</a:t>
+            </a:r>
+            <a:r>
+              <a:rPr lang="es-ES" sz="1000" b="0" dirty="0">
+                <a:solidFill>
+                  <a:srgbClr val="839496"/>
+                </a:solidFill>
+                <a:effectLst/>
+                <a:latin typeface="Consolas" panose="020B0609020204030204" pitchFamily="49" charset="0"/>
+              </a:rPr>
+              <a:t>(usuario);  </a:t>
+            </a:r>
+          </a:p>
+          <a:p>
+            <a:r>
+              <a:rPr lang="es-ES" sz="1000" b="0" dirty="0">
+                <a:solidFill>
+                  <a:srgbClr val="839496"/>
+                </a:solidFill>
+                <a:effectLst/>
+                <a:latin typeface="Consolas" panose="020B0609020204030204" pitchFamily="49" charset="0"/>
+              </a:rPr>
+              <a:t>        }</a:t>
+            </a:r>
+            <a:r>
+              <a:rPr lang="es-ES" sz="1000" b="0" dirty="0" err="1">
+                <a:solidFill>
+                  <a:srgbClr val="859900"/>
+                </a:solidFill>
+                <a:effectLst/>
+                <a:latin typeface="Consolas" panose="020B0609020204030204" pitchFamily="49" charset="0"/>
+              </a:rPr>
+              <a:t>else</a:t>
+            </a:r>
+            <a:r>
+              <a:rPr lang="es-ES" sz="1000" b="0" dirty="0">
+                <a:solidFill>
+                  <a:srgbClr val="839496"/>
+                </a:solidFill>
+                <a:effectLst/>
+                <a:latin typeface="Consolas" panose="020B0609020204030204" pitchFamily="49" charset="0"/>
+              </a:rPr>
+              <a:t> {</a:t>
+            </a:r>
+          </a:p>
+          <a:p>
+            <a:r>
+              <a:rPr lang="es-ES" sz="1000" b="0" dirty="0">
+                <a:solidFill>
+                  <a:srgbClr val="839496"/>
+                </a:solidFill>
+                <a:effectLst/>
+                <a:latin typeface="Consolas" panose="020B0609020204030204" pitchFamily="49" charset="0"/>
+              </a:rPr>
+              <a:t>            </a:t>
+            </a:r>
+            <a:r>
+              <a:rPr lang="es-ES" sz="1000" b="0" i="1" dirty="0">
+                <a:solidFill>
+                  <a:srgbClr val="586E75"/>
+                </a:solidFill>
+                <a:effectLst/>
+                <a:latin typeface="Consolas" panose="020B0609020204030204" pitchFamily="49" charset="0"/>
+              </a:rPr>
+              <a:t>//Damos de alta-&gt;Crea un nuevo usuario.</a:t>
+            </a:r>
+            <a:endParaRPr lang="es-ES" sz="1000" b="0" dirty="0">
+              <a:solidFill>
+                <a:srgbClr val="839496"/>
+              </a:solidFill>
+              <a:effectLst/>
+              <a:latin typeface="Consolas" panose="020B0609020204030204" pitchFamily="49" charset="0"/>
+            </a:endParaRPr>
+          </a:p>
+          <a:p>
+            <a:r>
+              <a:rPr lang="es-ES" sz="1000" b="0" dirty="0">
+                <a:solidFill>
+                  <a:srgbClr val="839496"/>
+                </a:solidFill>
+                <a:effectLst/>
+                <a:latin typeface="Consolas" panose="020B0609020204030204" pitchFamily="49" charset="0"/>
+              </a:rPr>
+              <a:t>            </a:t>
+            </a:r>
+            <a:r>
+              <a:rPr lang="es-ES" sz="1000" b="0" dirty="0" err="1">
+                <a:solidFill>
+                  <a:srgbClr val="268BD2"/>
+                </a:solidFill>
+                <a:effectLst/>
+                <a:latin typeface="Consolas" panose="020B0609020204030204" pitchFamily="49" charset="0"/>
+              </a:rPr>
+              <a:t>em</a:t>
+            </a:r>
+            <a:r>
+              <a:rPr lang="es-ES" sz="1000" b="0" dirty="0" err="1">
+                <a:solidFill>
+                  <a:srgbClr val="839496"/>
+                </a:solidFill>
+                <a:effectLst/>
+                <a:latin typeface="Consolas" panose="020B0609020204030204" pitchFamily="49" charset="0"/>
+              </a:rPr>
+              <a:t>.</a:t>
+            </a:r>
+            <a:r>
+              <a:rPr lang="es-ES" sz="1000" b="0" dirty="0" err="1">
+                <a:solidFill>
+                  <a:srgbClr val="268BD2"/>
+                </a:solidFill>
+                <a:effectLst/>
+                <a:latin typeface="Consolas" panose="020B0609020204030204" pitchFamily="49" charset="0"/>
+              </a:rPr>
+              <a:t>persist</a:t>
+            </a:r>
+            <a:r>
+              <a:rPr lang="es-ES" sz="1000" b="0" dirty="0">
+                <a:solidFill>
+                  <a:srgbClr val="839496"/>
+                </a:solidFill>
+                <a:effectLst/>
+                <a:latin typeface="Consolas" panose="020B0609020204030204" pitchFamily="49" charset="0"/>
+              </a:rPr>
+              <a:t>(usuario);            </a:t>
+            </a:r>
+          </a:p>
+          <a:p>
+            <a:r>
+              <a:rPr lang="es-ES" sz="1000" b="0" dirty="0">
+                <a:solidFill>
+                  <a:srgbClr val="839496"/>
+                </a:solidFill>
+                <a:effectLst/>
+                <a:latin typeface="Consolas" panose="020B0609020204030204" pitchFamily="49" charset="0"/>
+              </a:rPr>
+              <a:t>        }</a:t>
+            </a:r>
+          </a:p>
+          <a:p>
+            <a:r>
+              <a:rPr lang="es-ES" sz="1000" b="0" dirty="0">
+                <a:solidFill>
+                  <a:srgbClr val="839496"/>
+                </a:solidFill>
+                <a:effectLst/>
+                <a:latin typeface="Consolas" panose="020B0609020204030204" pitchFamily="49" charset="0"/>
+              </a:rPr>
+              <a:t>        </a:t>
+            </a:r>
+            <a:r>
+              <a:rPr lang="es-ES" sz="1000" b="0" dirty="0" err="1">
+                <a:solidFill>
+                  <a:srgbClr val="859900"/>
+                </a:solidFill>
+                <a:effectLst/>
+                <a:latin typeface="Consolas" panose="020B0609020204030204" pitchFamily="49" charset="0"/>
+              </a:rPr>
+              <a:t>return</a:t>
+            </a:r>
+            <a:r>
+              <a:rPr lang="es-ES" sz="1000" b="0" dirty="0">
+                <a:solidFill>
+                  <a:srgbClr val="839496"/>
+                </a:solidFill>
+                <a:effectLst/>
+                <a:latin typeface="Consolas" panose="020B0609020204030204" pitchFamily="49" charset="0"/>
+              </a:rPr>
+              <a:t> usuario;</a:t>
+            </a:r>
+          </a:p>
+          <a:p>
+            <a:r>
+              <a:rPr lang="es-ES" sz="1000" b="0" dirty="0">
+                <a:solidFill>
+                  <a:srgbClr val="839496"/>
+                </a:solidFill>
+                <a:effectLst/>
+                <a:latin typeface="Consolas" panose="020B0609020204030204" pitchFamily="49" charset="0"/>
+              </a:rPr>
+              <a:t>    }</a:t>
+            </a:r>
+          </a:p>
+          <a:p>
+            <a:pPr lvl="1"/>
+            <a:endParaRPr lang="es-ES" sz="1200" dirty="0">
+              <a:solidFill>
+                <a:schemeClr val="accent4">
+                  <a:lumMod val="60000"/>
+                  <a:lumOff val="40000"/>
+                </a:schemeClr>
+              </a:solidFill>
+            </a:endParaRPr>
+          </a:p>
+          <a:p>
+            <a:pPr lvl="1"/>
+            <a:endParaRPr lang="es-ES" sz="1200" dirty="0">
+              <a:solidFill>
+                <a:schemeClr val="accent4">
+                  <a:lumMod val="60000"/>
+                  <a:lumOff val="40000"/>
+                </a:schemeClr>
+              </a:solidFill>
+            </a:endParaRPr>
+          </a:p>
+          <a:p>
+            <a:pPr lvl="1"/>
+            <a:endParaRPr lang="es-ES" sz="1200" dirty="0">
+              <a:solidFill>
+                <a:schemeClr val="accent4">
+                  <a:lumMod val="60000"/>
+                  <a:lumOff val="40000"/>
+                </a:schemeClr>
+              </a:solidFill>
+            </a:endParaRPr>
+          </a:p>
+          <a:p>
+            <a:pPr lvl="1"/>
+            <a:br>
+              <a:rPr lang="es-ES" sz="1200" dirty="0">
+                <a:solidFill>
+                  <a:schemeClr val="accent4">
+                    <a:lumMod val="60000"/>
+                    <a:lumOff val="40000"/>
+                  </a:schemeClr>
+                </a:solidFill>
+              </a:rPr>
+            </a:br>
+            <a:endParaRPr lang="es-ES" sz="1200" dirty="0">
+              <a:solidFill>
+                <a:schemeClr val="accent4">
+                  <a:lumMod val="60000"/>
+                  <a:lumOff val="40000"/>
+                </a:schemeClr>
+              </a:solidFill>
+            </a:endParaRPr>
+          </a:p>
+          <a:p>
+            <a:pPr lvl="3"/>
+            <a:endParaRPr lang="es-ES" sz="1200" dirty="0">
+              <a:solidFill>
+                <a:schemeClr val="accent4">
+                  <a:lumMod val="60000"/>
+                  <a:lumOff val="40000"/>
+                </a:schemeClr>
+              </a:solidFill>
+            </a:endParaRPr>
+          </a:p>
+          <a:p>
+            <a:pPr marL="628650" lvl="1" indent="-171450">
+              <a:buFont typeface="Arial" panose="020B0604020202020204" pitchFamily="34" charset="0"/>
+              <a:buChar char="•"/>
+            </a:pPr>
+            <a:endParaRPr lang="es-ES" sz="1200" dirty="0">
+              <a:solidFill>
+                <a:schemeClr val="accent4">
+                  <a:lumMod val="60000"/>
+                  <a:lumOff val="40000"/>
+                </a:schemeClr>
+              </a:solidFill>
+            </a:endParaRPr>
+          </a:p>
+          <a:p>
+            <a:pPr lvl="1"/>
+            <a:endParaRPr lang="es-ES" sz="1200" dirty="0">
+              <a:solidFill>
+                <a:schemeClr val="accent4">
+                  <a:lumMod val="60000"/>
+                  <a:lumOff val="40000"/>
+                </a:schemeClr>
+              </a:solidFill>
+            </a:endParaRPr>
+          </a:p>
+          <a:p>
+            <a:pPr marL="685800" lvl="1" indent="-228600">
+              <a:buFont typeface="+mj-lt"/>
+              <a:buAutoNum type="arabicPeriod"/>
+            </a:pPr>
+            <a:endParaRPr lang="es-ES" sz="1200" dirty="0">
+              <a:solidFill>
+                <a:schemeClr val="accent4">
+                  <a:lumMod val="60000"/>
+                  <a:lumOff val="40000"/>
+                </a:schemeClr>
+              </a:solidFill>
+            </a:endParaRPr>
+          </a:p>
+          <a:p>
+            <a:pPr lvl="1"/>
+            <a:endParaRPr lang="es-ES" sz="1200" dirty="0">
+              <a:solidFill>
+                <a:schemeClr val="accent4">
+                  <a:lumMod val="60000"/>
+                  <a:lumOff val="40000"/>
+                </a:schemeClr>
+              </a:solidFill>
+            </a:endParaRPr>
+          </a:p>
+          <a:p>
+            <a:pPr lvl="1"/>
+            <a:endParaRPr lang="es-ES" sz="1200" dirty="0">
+              <a:solidFill>
+                <a:schemeClr val="accent4">
+                  <a:lumMod val="60000"/>
+                  <a:lumOff val="40000"/>
+                </a:schemeClr>
+              </a:solidFill>
+            </a:endParaRPr>
+          </a:p>
+          <a:p>
+            <a:pPr marL="1085850" lvl="2" indent="-171450">
+              <a:buFont typeface="Arial" panose="020B0604020202020204" pitchFamily="34" charset="0"/>
+              <a:buChar char="•"/>
+            </a:pPr>
+            <a:endParaRPr lang="es-ES" sz="1200" dirty="0">
+              <a:solidFill>
+                <a:schemeClr val="accent4">
+                  <a:lumMod val="60000"/>
+                  <a:lumOff val="40000"/>
+                </a:schemeClr>
+              </a:solidFill>
+            </a:endParaRPr>
+          </a:p>
+          <a:p>
+            <a:pPr lvl="1"/>
+            <a:endParaRPr lang="es-ES" sz="1200" dirty="0">
+              <a:solidFill>
+                <a:schemeClr val="accent4">
+                  <a:lumMod val="60000"/>
+                  <a:lumOff val="40000"/>
+                </a:schemeClr>
+              </a:solidFill>
+            </a:endParaRPr>
+          </a:p>
+          <a:p>
+            <a:endParaRPr lang="es-ES" sz="1200" b="0" dirty="0">
+              <a:solidFill>
+                <a:srgbClr val="839496"/>
+              </a:solidFill>
+              <a:effectLst/>
+              <a:latin typeface="Consolas" panose="020B0609020204030204" pitchFamily="49" charset="0"/>
+            </a:endParaRPr>
+          </a:p>
+          <a:p>
+            <a:br>
+              <a:rPr lang="es-ES" sz="1200" b="0" dirty="0">
+                <a:solidFill>
+                  <a:srgbClr val="839496"/>
+                </a:solidFill>
+                <a:effectLst/>
+                <a:latin typeface="Consolas" panose="020B0609020204030204" pitchFamily="49" charset="0"/>
+              </a:rPr>
+            </a:br>
+            <a:endParaRPr lang="es-ES" sz="1200" b="0" dirty="0">
+              <a:solidFill>
+                <a:srgbClr val="839496"/>
+              </a:solidFill>
+              <a:effectLst/>
+              <a:latin typeface="Consolas" panose="020B0609020204030204" pitchFamily="49" charset="0"/>
+            </a:endParaRPr>
+          </a:p>
+          <a:p>
+            <a:pPr lvl="1"/>
+            <a:endParaRPr lang="es-ES" sz="1200" dirty="0">
+              <a:solidFill>
+                <a:schemeClr val="accent4">
+                  <a:lumMod val="60000"/>
+                  <a:lumOff val="40000"/>
+                </a:schemeClr>
+              </a:solidFill>
+            </a:endParaRPr>
+          </a:p>
+          <a:p>
+            <a:pPr lvl="1"/>
+            <a:endParaRPr lang="es-ES" sz="1200" dirty="0">
+              <a:solidFill>
+                <a:schemeClr val="accent4">
+                  <a:lumMod val="60000"/>
+                  <a:lumOff val="40000"/>
+                </a:schemeClr>
+              </a:solidFill>
+            </a:endParaRPr>
+          </a:p>
+          <a:p>
+            <a:pPr lvl="2"/>
+            <a:endParaRPr lang="es-ES" sz="1200" dirty="0"/>
+          </a:p>
+          <a:p>
+            <a:pPr lvl="2"/>
+            <a:endParaRPr lang="es-ES" sz="1200" dirty="0"/>
+          </a:p>
+          <a:p>
+            <a:pPr marL="628650" lvl="1" indent="-171450">
+              <a:buFont typeface="Arial" panose="020B0604020202020204" pitchFamily="34" charset="0"/>
+              <a:buChar char="•"/>
+            </a:pPr>
+            <a:endParaRPr lang="es-ES" sz="1200" i="1" dirty="0"/>
+          </a:p>
+          <a:p>
+            <a:pPr lvl="1"/>
+            <a:endParaRPr lang="es-ES" sz="1200" b="1" dirty="0"/>
+          </a:p>
+          <a:p>
+            <a:pPr lvl="1"/>
+            <a:endParaRPr lang="es-ES" sz="1200" dirty="0"/>
+          </a:p>
+          <a:p>
+            <a:pPr lvl="1"/>
+            <a:endParaRPr lang="es-ES" sz="1200" dirty="0"/>
+          </a:p>
+          <a:p>
+            <a:pPr lvl="1"/>
+            <a:endParaRPr lang="es-ES" sz="1200" dirty="0"/>
+          </a:p>
+          <a:p>
+            <a:pPr lvl="1"/>
+            <a:endParaRPr lang="es-ES" sz="1200" dirty="0">
+              <a:solidFill>
+                <a:schemeClr val="accent4">
+                  <a:lumMod val="60000"/>
+                  <a:lumOff val="40000"/>
+                </a:schemeClr>
+              </a:solidFill>
+            </a:endParaRPr>
+          </a:p>
+          <a:p>
+            <a:pPr lvl="1"/>
+            <a:endParaRPr lang="es-ES" sz="1200" dirty="0">
+              <a:solidFill>
+                <a:schemeClr val="accent4">
+                  <a:lumMod val="60000"/>
+                  <a:lumOff val="40000"/>
+                </a:schemeClr>
+              </a:solidFill>
+            </a:endParaRPr>
+          </a:p>
+          <a:p>
+            <a:pPr lvl="1"/>
+            <a:endParaRPr lang="es-ES" sz="1200" dirty="0">
+              <a:solidFill>
+                <a:schemeClr val="accent4">
+                  <a:lumMod val="60000"/>
+                  <a:lumOff val="40000"/>
+                </a:schemeClr>
+              </a:solidFill>
+            </a:endParaRPr>
+          </a:p>
+          <a:p>
+            <a:pPr lvl="1"/>
+            <a:endParaRPr lang="es-ES" sz="1200" dirty="0">
+              <a:solidFill>
+                <a:schemeClr val="accent4">
+                  <a:lumMod val="60000"/>
+                  <a:lumOff val="40000"/>
+                </a:schemeClr>
+              </a:solidFill>
+            </a:endParaRPr>
+          </a:p>
+          <a:p>
+            <a:pPr lvl="2"/>
+            <a:endParaRPr lang="es-ES" sz="1400" dirty="0">
+              <a:solidFill>
+                <a:schemeClr val="accent4">
+                  <a:lumMod val="60000"/>
+                  <a:lumOff val="40000"/>
+                </a:schemeClr>
+              </a:solidFill>
+            </a:endParaRPr>
+          </a:p>
+          <a:p>
+            <a:pPr lvl="2"/>
+            <a:endParaRPr lang="es-ES" sz="1400" dirty="0">
+              <a:solidFill>
+                <a:schemeClr val="accent1">
+                  <a:lumMod val="60000"/>
+                  <a:lumOff val="40000"/>
+                </a:schemeClr>
+              </a:solidFill>
+            </a:endParaRPr>
+          </a:p>
+          <a:p>
+            <a:pPr marL="1257300" lvl="2" indent="-342900">
+              <a:buFont typeface="+mj-lt"/>
+              <a:buAutoNum type="arabicPeriod"/>
+            </a:pPr>
+            <a:endParaRPr lang="es-ES" sz="1400" dirty="0">
+              <a:solidFill>
+                <a:schemeClr val="accent4">
+                  <a:lumMod val="60000"/>
+                  <a:lumOff val="40000"/>
+                </a:schemeClr>
+              </a:solidFill>
+            </a:endParaRPr>
+          </a:p>
+          <a:p>
+            <a:pPr lvl="1"/>
+            <a:endParaRPr lang="es-ES" sz="1400" dirty="0">
+              <a:solidFill>
+                <a:schemeClr val="accent4">
+                  <a:lumMod val="60000"/>
+                  <a:lumOff val="40000"/>
+                </a:schemeClr>
+              </a:solidFill>
+            </a:endParaRPr>
+          </a:p>
+          <a:p>
+            <a:pPr lvl="1"/>
+            <a:br>
+              <a:rPr lang="es-ES" sz="1200" dirty="0">
+                <a:solidFill>
+                  <a:schemeClr val="accent4">
+                    <a:lumMod val="60000"/>
+                    <a:lumOff val="40000"/>
+                  </a:schemeClr>
+                </a:solidFill>
+              </a:rPr>
+            </a:br>
+            <a:endParaRPr lang="es-ES" sz="1200" dirty="0">
+              <a:solidFill>
+                <a:schemeClr val="accent4">
+                  <a:lumMod val="60000"/>
+                  <a:lumOff val="40000"/>
+                </a:schemeClr>
+              </a:solidFill>
+            </a:endParaRPr>
+          </a:p>
+          <a:p>
+            <a:pPr lvl="1"/>
+            <a:endParaRPr lang="es-ES" sz="1200" dirty="0">
+              <a:solidFill>
+                <a:schemeClr val="accent1">
+                  <a:lumMod val="40000"/>
+                  <a:lumOff val="60000"/>
+                </a:schemeClr>
+              </a:solidFill>
+              <a:latin typeface="Titillium Web" panose="00000500000000000000" pitchFamily="2" charset="0"/>
+            </a:endParaRPr>
+          </a:p>
+          <a:p>
+            <a:pPr lvl="1"/>
+            <a:endParaRPr lang="es-ES" sz="1200" b="0" i="0" dirty="0">
+              <a:solidFill>
+                <a:schemeClr val="accent4">
+                  <a:lumMod val="60000"/>
+                  <a:lumOff val="40000"/>
+                </a:schemeClr>
+              </a:solidFill>
+              <a:effectLst/>
+              <a:latin typeface="Titillium Web" panose="00000500000000000000" pitchFamily="2" charset="0"/>
+            </a:endParaRPr>
+          </a:p>
+        </p:txBody>
+      </p:sp>
+      <p:pic>
+        <p:nvPicPr>
+          <p:cNvPr id="5" name="Picture 2" descr="Spring | Home">
+            <a:extLst>
+              <a:ext uri="{FF2B5EF4-FFF2-40B4-BE49-F238E27FC236}">
+                <a16:creationId xmlns:a16="http://schemas.microsoft.com/office/drawing/2014/main" id="{6CBE6F06-F98A-B85B-B6AA-917CBDD1C2C3}"/>
+              </a:ext>
+            </a:extLst>
+          </p:cNvPr>
+          <p:cNvPicPr>
+            <a:picLocks noChangeAspect="1" noChangeArrowheads="1"/>
+          </p:cNvPicPr>
+          <p:nvPr/>
+        </p:nvPicPr>
+        <p:blipFill>
+          <a:blip r:embed="rId4">
+            <a:extLst>
+              <a:ext uri="{28A0092B-C50C-407E-A947-70E740481C1C}">
+                <a14:useLocalDpi xmlns:a14="http://schemas.microsoft.com/office/drawing/2010/main" val="0"/>
+              </a:ext>
+            </a:extLst>
+          </a:blip>
+          <a:srcRect/>
+          <a:stretch>
+            <a:fillRect/>
+          </a:stretch>
+        </p:blipFill>
+        <p:spPr bwMode="auto">
+          <a:xfrm>
+            <a:off x="10666011" y="5262959"/>
+            <a:ext cx="1351386" cy="675693"/>
+          </a:xfrm>
+          <a:prstGeom prst="rect">
+            <a:avLst/>
+          </a:prstGeom>
+          <a:noFill/>
+          <a:extLst>
+            <a:ext uri="{909E8E84-426E-40DD-AFC4-6F175D3DCCD1}">
+              <a14:hiddenFill xmlns:a14="http://schemas.microsoft.com/office/drawing/2010/main">
+                <a:solidFill>
+                  <a:srgbClr val="FFFFFF"/>
+                </a:solidFill>
+              </a14:hiddenFill>
+            </a:ext>
+          </a:extLst>
+        </p:spPr>
+      </p:pic>
+      <p:sp>
+        <p:nvSpPr>
+          <p:cNvPr id="9" name="CuadroTexto 8">
+            <a:extLst>
+              <a:ext uri="{FF2B5EF4-FFF2-40B4-BE49-F238E27FC236}">
+                <a16:creationId xmlns:a16="http://schemas.microsoft.com/office/drawing/2014/main" id="{D644B738-0737-54FD-D865-CE1CBC1311FE}"/>
+              </a:ext>
+            </a:extLst>
+          </p:cNvPr>
+          <p:cNvSpPr txBox="1"/>
+          <p:nvPr/>
+        </p:nvSpPr>
+        <p:spPr>
+          <a:xfrm>
+            <a:off x="8205186" y="254604"/>
+            <a:ext cx="6094520" cy="369332"/>
+          </a:xfrm>
+          <a:prstGeom prst="rect">
+            <a:avLst/>
+          </a:prstGeom>
+          <a:noFill/>
+        </p:spPr>
+        <p:txBody>
+          <a:bodyPr wrap="square">
+            <a:spAutoFit/>
+          </a:bodyPr>
+          <a:lstStyle/>
+          <a:p>
+            <a:pPr lvl="1"/>
+            <a:r>
+              <a:rPr lang="es-ES" sz="1800" dirty="0">
+                <a:latin typeface="Titillium Web" panose="00000500000000000000" pitchFamily="2" charset="0"/>
+                <a:sym typeface="Wingdings" panose="05000000000000000000" pitchFamily="2" charset="2"/>
+              </a:rPr>
+              <a:t>Aplicación 4: </a:t>
+            </a:r>
+            <a:r>
+              <a:rPr lang="es-ES" sz="1800" dirty="0" err="1">
+                <a:latin typeface="Titillium Web" panose="00000500000000000000" pitchFamily="2" charset="0"/>
+                <a:sym typeface="Wingdings" panose="05000000000000000000" pitchFamily="2" charset="2"/>
+              </a:rPr>
+              <a:t>Demo</a:t>
+            </a:r>
+            <a:r>
+              <a:rPr lang="es-ES" dirty="0" err="1">
+                <a:latin typeface="Titillium Web" panose="00000500000000000000" pitchFamily="2" charset="0"/>
+                <a:sym typeface="Wingdings" panose="05000000000000000000" pitchFamily="2" charset="2"/>
+              </a:rPr>
+              <a:t>Rest</a:t>
+            </a:r>
+            <a:endParaRPr lang="es-ES" sz="1800" dirty="0">
+              <a:latin typeface="Titillium Web" panose="00000500000000000000" pitchFamily="2" charset="0"/>
+              <a:sym typeface="Wingdings" panose="05000000000000000000" pitchFamily="2" charset="2"/>
+            </a:endParaRPr>
+          </a:p>
+        </p:txBody>
+      </p:sp>
+      <p:pic>
+        <p:nvPicPr>
+          <p:cNvPr id="6" name="Imagen 5">
+            <a:extLst>
+              <a:ext uri="{FF2B5EF4-FFF2-40B4-BE49-F238E27FC236}">
+                <a16:creationId xmlns:a16="http://schemas.microsoft.com/office/drawing/2014/main" id="{0B3D28DD-269D-1CBF-50E0-435747C75BE5}"/>
+              </a:ext>
+            </a:extLst>
+          </p:cNvPr>
+          <p:cNvPicPr>
+            <a:picLocks noChangeAspect="1"/>
+          </p:cNvPicPr>
+          <p:nvPr/>
+        </p:nvPicPr>
+        <p:blipFill>
+          <a:blip r:embed="rId5"/>
+          <a:stretch>
+            <a:fillRect/>
+          </a:stretch>
+        </p:blipFill>
+        <p:spPr>
+          <a:xfrm>
+            <a:off x="5438242" y="2972982"/>
+            <a:ext cx="5067907" cy="2781732"/>
+          </a:xfrm>
+          <a:prstGeom prst="rect">
+            <a:avLst/>
+          </a:prstGeom>
+        </p:spPr>
+      </p:pic>
+    </p:spTree>
+    <p:extLst>
+      <p:ext uri="{BB962C8B-B14F-4D97-AF65-F5344CB8AC3E}">
+        <p14:creationId xmlns:p14="http://schemas.microsoft.com/office/powerpoint/2010/main" val="1619020573"/>
+      </p:ext>
+    </p:extLst>
+  </p:cSld>
+  <p:clrMapOvr>
+    <a:masterClrMapping/>
+  </p:clrMapOvr>
+</p:sld>
+</file>
+
+<file path=ppt/slides/slide42.xml><?xml version="1.0" encoding="utf-8"?>
+<p:sld xmlns:a="http://schemas.openxmlformats.org/drawingml/2006/main" xmlns:r="http://schemas.openxmlformats.org/officeDocument/2006/relationships" xmlns:p="http://schemas.openxmlformats.org/presentationml/2006/main">
+  <p:cSld>
+    <p:spTree>
+      <p:nvGrpSpPr>
+        <p:cNvPr id="1" name=""/>
+        <p:cNvGrpSpPr/>
+        <p:nvPr/>
+      </p:nvGrpSpPr>
+      <p:grpSpPr>
+        <a:xfrm>
+          <a:off x="0" y="0"/>
+          <a:ext cx="0" cy="0"/>
+          <a:chOff x="0" y="0"/>
+          <a:chExt cx="0" cy="0"/>
+        </a:xfrm>
+      </p:grpSpPr>
+      <p:pic>
+        <p:nvPicPr>
+          <p:cNvPr id="1032" name="Picture 8" descr="Nuestro Equipo">
+            <a:extLst>
+              <a:ext uri="{FF2B5EF4-FFF2-40B4-BE49-F238E27FC236}">
+                <a16:creationId xmlns:a16="http://schemas.microsoft.com/office/drawing/2014/main" id="{9948F5C4-A11B-BB63-E587-6CEB747BDDEB}"/>
+              </a:ext>
+            </a:extLst>
+          </p:cNvPr>
+          <p:cNvPicPr>
+            <a:picLocks noChangeAspect="1" noChangeArrowheads="1"/>
+          </p:cNvPicPr>
+          <p:nvPr/>
+        </p:nvPicPr>
+        <p:blipFill>
+          <a:blip r:embed="rId3">
+            <a:extLst>
+              <a:ext uri="{28A0092B-C50C-407E-A947-70E740481C1C}">
+                <a14:useLocalDpi xmlns:a14="http://schemas.microsoft.com/office/drawing/2010/main" val="0"/>
+              </a:ext>
+            </a:extLst>
+          </a:blip>
+          <a:srcRect/>
+          <a:stretch>
+            <a:fillRect/>
+          </a:stretch>
+        </p:blipFill>
+        <p:spPr bwMode="auto">
+          <a:xfrm>
+            <a:off x="11003858" y="6068461"/>
+            <a:ext cx="675692" cy="675692"/>
+          </a:xfrm>
+          <a:prstGeom prst="rect">
+            <a:avLst/>
+          </a:prstGeom>
+          <a:noFill/>
+          <a:extLst>
+            <a:ext uri="{909E8E84-426E-40DD-AFC4-6F175D3DCCD1}">
+              <a14:hiddenFill xmlns:a14="http://schemas.microsoft.com/office/drawing/2010/main">
+                <a:solidFill>
+                  <a:srgbClr val="FFFFFF"/>
+                </a:solidFill>
+              </a14:hiddenFill>
+            </a:ext>
+          </a:extLst>
+        </p:spPr>
+      </p:pic>
+      <p:sp>
+        <p:nvSpPr>
+          <p:cNvPr id="3" name="CuadroTexto 2">
+            <a:extLst>
+              <a:ext uri="{FF2B5EF4-FFF2-40B4-BE49-F238E27FC236}">
+                <a16:creationId xmlns:a16="http://schemas.microsoft.com/office/drawing/2014/main" id="{D1FA320B-398B-F9F1-38EA-BAF5DD083F19}"/>
+              </a:ext>
+            </a:extLst>
+          </p:cNvPr>
+          <p:cNvSpPr txBox="1"/>
+          <p:nvPr/>
+        </p:nvSpPr>
+        <p:spPr>
+          <a:xfrm>
+            <a:off x="1088869" y="623936"/>
+            <a:ext cx="9257419" cy="9510296"/>
+          </a:xfrm>
+          <a:prstGeom prst="rect">
+            <a:avLst/>
+          </a:prstGeom>
+          <a:noFill/>
+        </p:spPr>
+        <p:txBody>
+          <a:bodyPr wrap="square" rtlCol="0">
+            <a:spAutoFit/>
+          </a:bodyPr>
+          <a:lstStyle/>
+          <a:p>
+            <a:r>
+              <a:rPr lang="es-ES" dirty="0"/>
+              <a:t>SPRING FRAMEWORK</a:t>
+            </a:r>
+          </a:p>
+          <a:p>
+            <a:pPr lvl="1"/>
+            <a:endParaRPr lang="es-ES" sz="1200" dirty="0">
+              <a:solidFill>
+                <a:srgbClr val="FF0000"/>
+              </a:solidFill>
+              <a:latin typeface="Titillium Web" panose="00000500000000000000" pitchFamily="2" charset="0"/>
+            </a:endParaRPr>
+          </a:p>
+          <a:p>
+            <a:pPr lvl="1"/>
+            <a:endParaRPr lang="es-ES" sz="1200" dirty="0">
+              <a:solidFill>
+                <a:schemeClr val="accent4">
+                  <a:lumMod val="60000"/>
+                  <a:lumOff val="40000"/>
+                </a:schemeClr>
+              </a:solidFill>
+              <a:latin typeface="Titillium Web" panose="00000500000000000000" pitchFamily="2" charset="0"/>
+            </a:endParaRPr>
+          </a:p>
+          <a:p>
+            <a:pPr lvl="1"/>
+            <a:r>
+              <a:rPr lang="es-ES" sz="1200" dirty="0">
+                <a:solidFill>
+                  <a:schemeClr val="accent4">
+                    <a:lumMod val="60000"/>
+                    <a:lumOff val="40000"/>
+                  </a:schemeClr>
+                </a:solidFill>
+                <a:latin typeface="Titillium Web" panose="00000500000000000000" pitchFamily="2" charset="0"/>
+              </a:rPr>
+              <a:t>SPRING REST</a:t>
+            </a:r>
+          </a:p>
+          <a:p>
+            <a:pPr lvl="1"/>
+            <a:endParaRPr lang="es-ES" sz="1200" dirty="0">
+              <a:solidFill>
+                <a:schemeClr val="accent4">
+                  <a:lumMod val="60000"/>
+                  <a:lumOff val="40000"/>
+                </a:schemeClr>
+              </a:solidFill>
+              <a:latin typeface="Titillium Web" panose="00000500000000000000" pitchFamily="2" charset="0"/>
+            </a:endParaRPr>
+          </a:p>
+          <a:p>
+            <a:pPr lvl="1"/>
+            <a:endParaRPr lang="es-ES" sz="1200" dirty="0">
+              <a:solidFill>
+                <a:schemeClr val="accent4">
+                  <a:lumMod val="60000"/>
+                  <a:lumOff val="40000"/>
+                </a:schemeClr>
+              </a:solidFill>
+            </a:endParaRPr>
+          </a:p>
+          <a:p>
+            <a:pPr lvl="1"/>
+            <a:r>
+              <a:rPr lang="es-ES" sz="1200" dirty="0">
+                <a:solidFill>
+                  <a:schemeClr val="accent4">
+                    <a:lumMod val="60000"/>
+                    <a:lumOff val="40000"/>
+                  </a:schemeClr>
+                </a:solidFill>
+              </a:rPr>
+              <a:t>Mi primer proyecto REST en Spring</a:t>
+            </a:r>
+          </a:p>
+          <a:p>
+            <a:pPr lvl="1"/>
+            <a:endParaRPr lang="es-ES" sz="1200" dirty="0">
+              <a:solidFill>
+                <a:schemeClr val="accent4">
+                  <a:lumMod val="60000"/>
+                  <a:lumOff val="40000"/>
+                </a:schemeClr>
+              </a:solidFill>
+            </a:endParaRPr>
+          </a:p>
+          <a:p>
+            <a:pPr lvl="1"/>
+            <a:r>
+              <a:rPr lang="es-ES" sz="1200" dirty="0"/>
+              <a:t>Creamos el proyecto</a:t>
+            </a:r>
+          </a:p>
+          <a:p>
+            <a:pPr lvl="1"/>
+            <a:endParaRPr lang="es-ES" sz="1200" dirty="0">
+              <a:solidFill>
+                <a:schemeClr val="accent4">
+                  <a:lumMod val="60000"/>
+                  <a:lumOff val="40000"/>
+                </a:schemeClr>
+              </a:solidFill>
+            </a:endParaRPr>
+          </a:p>
+          <a:p>
+            <a:pPr lvl="1"/>
+            <a:r>
+              <a:rPr lang="es-ES" sz="1200" dirty="0">
+                <a:solidFill>
+                  <a:schemeClr val="accent4">
+                    <a:lumMod val="60000"/>
+                    <a:lumOff val="40000"/>
+                  </a:schemeClr>
+                </a:solidFill>
+              </a:rPr>
+              <a:t>Definimos nuestro método en el @Controller que realice un alta en la base de datos. </a:t>
+            </a:r>
+          </a:p>
+          <a:p>
+            <a:pPr lvl="1"/>
+            <a:endParaRPr lang="es-ES" sz="1200" dirty="0">
+              <a:solidFill>
+                <a:schemeClr val="accent4">
+                  <a:lumMod val="60000"/>
+                  <a:lumOff val="40000"/>
+                </a:schemeClr>
+              </a:solidFill>
+            </a:endParaRPr>
+          </a:p>
+          <a:p>
+            <a:pPr lvl="1"/>
+            <a:r>
+              <a:rPr lang="es-ES" sz="1200" dirty="0">
+                <a:solidFill>
+                  <a:schemeClr val="accent4">
+                    <a:lumMod val="60000"/>
+                    <a:lumOff val="40000"/>
+                  </a:schemeClr>
+                </a:solidFill>
+              </a:rPr>
+              <a:t>Y definimos en el controlador y realizamos el envió en </a:t>
+            </a:r>
+            <a:r>
+              <a:rPr lang="es-ES" sz="1200" dirty="0" err="1">
+                <a:solidFill>
+                  <a:schemeClr val="accent4">
+                    <a:lumMod val="60000"/>
+                    <a:lumOff val="40000"/>
+                  </a:schemeClr>
+                </a:solidFill>
+              </a:rPr>
+              <a:t>Postman</a:t>
+            </a:r>
+            <a:r>
+              <a:rPr lang="es-ES" sz="1200" dirty="0">
+                <a:solidFill>
+                  <a:schemeClr val="accent4">
+                    <a:lumMod val="60000"/>
+                    <a:lumOff val="40000"/>
+                  </a:schemeClr>
+                </a:solidFill>
+              </a:rPr>
+              <a:t> </a:t>
+            </a:r>
+          </a:p>
+          <a:p>
+            <a:pPr lvl="1"/>
+            <a:endParaRPr lang="es-ES" sz="1200" dirty="0">
+              <a:solidFill>
+                <a:schemeClr val="accent4">
+                  <a:lumMod val="60000"/>
+                  <a:lumOff val="40000"/>
+                </a:schemeClr>
+              </a:solidFill>
+            </a:endParaRPr>
+          </a:p>
+          <a:p>
+            <a:r>
+              <a:rPr lang="es-ES" sz="1000" b="0" dirty="0">
+                <a:solidFill>
+                  <a:srgbClr val="839496"/>
+                </a:solidFill>
+                <a:effectLst/>
+                <a:latin typeface="Consolas" panose="020B0609020204030204" pitchFamily="49" charset="0"/>
+              </a:rPr>
+              <a:t> </a:t>
+            </a:r>
+            <a:endParaRPr lang="es-ES" sz="1200" dirty="0">
+              <a:solidFill>
+                <a:schemeClr val="accent4">
+                  <a:lumMod val="60000"/>
+                  <a:lumOff val="40000"/>
+                </a:schemeClr>
+              </a:solidFill>
+            </a:endParaRPr>
+          </a:p>
+          <a:p>
+            <a:pPr lvl="1"/>
+            <a:endParaRPr lang="es-ES" sz="1200" dirty="0">
+              <a:solidFill>
+                <a:schemeClr val="accent4">
+                  <a:lumMod val="60000"/>
+                  <a:lumOff val="40000"/>
+                </a:schemeClr>
+              </a:solidFill>
+            </a:endParaRPr>
+          </a:p>
+          <a:p>
+            <a:pPr lvl="1"/>
+            <a:br>
+              <a:rPr lang="es-ES" sz="1200" dirty="0">
+                <a:solidFill>
+                  <a:schemeClr val="accent4">
+                    <a:lumMod val="60000"/>
+                    <a:lumOff val="40000"/>
+                  </a:schemeClr>
+                </a:solidFill>
+              </a:rPr>
+            </a:br>
+            <a:endParaRPr lang="es-ES" sz="1200" dirty="0">
+              <a:solidFill>
+                <a:schemeClr val="accent4">
+                  <a:lumMod val="60000"/>
+                  <a:lumOff val="40000"/>
+                </a:schemeClr>
+              </a:solidFill>
+            </a:endParaRPr>
+          </a:p>
+          <a:p>
+            <a:pPr lvl="3"/>
+            <a:endParaRPr lang="es-ES" sz="1200" dirty="0">
+              <a:solidFill>
+                <a:schemeClr val="accent4">
+                  <a:lumMod val="60000"/>
+                  <a:lumOff val="40000"/>
+                </a:schemeClr>
+              </a:solidFill>
+            </a:endParaRPr>
+          </a:p>
+          <a:p>
+            <a:pPr marL="628650" lvl="1" indent="-171450">
+              <a:buFont typeface="Arial" panose="020B0604020202020204" pitchFamily="34" charset="0"/>
+              <a:buChar char="•"/>
+            </a:pPr>
+            <a:endParaRPr lang="es-ES" sz="1200" dirty="0">
+              <a:solidFill>
+                <a:schemeClr val="accent4">
+                  <a:lumMod val="60000"/>
+                  <a:lumOff val="40000"/>
+                </a:schemeClr>
+              </a:solidFill>
+            </a:endParaRPr>
+          </a:p>
+          <a:p>
+            <a:pPr lvl="1"/>
+            <a:endParaRPr lang="es-ES" sz="1200" dirty="0">
+              <a:solidFill>
+                <a:schemeClr val="accent4">
+                  <a:lumMod val="60000"/>
+                  <a:lumOff val="40000"/>
+                </a:schemeClr>
+              </a:solidFill>
+            </a:endParaRPr>
+          </a:p>
+          <a:p>
+            <a:pPr marL="685800" lvl="1" indent="-228600">
+              <a:buFont typeface="+mj-lt"/>
+              <a:buAutoNum type="arabicPeriod"/>
+            </a:pPr>
+            <a:endParaRPr lang="es-ES" sz="1200" dirty="0">
+              <a:solidFill>
+                <a:schemeClr val="accent4">
+                  <a:lumMod val="60000"/>
+                  <a:lumOff val="40000"/>
+                </a:schemeClr>
+              </a:solidFill>
+            </a:endParaRPr>
+          </a:p>
+          <a:p>
+            <a:pPr lvl="1"/>
+            <a:endParaRPr lang="es-ES" sz="1200" dirty="0">
+              <a:solidFill>
+                <a:schemeClr val="accent4">
+                  <a:lumMod val="60000"/>
+                  <a:lumOff val="40000"/>
+                </a:schemeClr>
+              </a:solidFill>
+            </a:endParaRPr>
+          </a:p>
+          <a:p>
+            <a:pPr lvl="1"/>
+            <a:r>
+              <a:rPr lang="es-ES" sz="1200" dirty="0">
+                <a:solidFill>
+                  <a:schemeClr val="accent4">
+                    <a:lumMod val="60000"/>
+                    <a:lumOff val="40000"/>
+                  </a:schemeClr>
+                </a:solidFill>
+              </a:rPr>
+              <a:t>Comprobamos la base de datos:</a:t>
+            </a:r>
+          </a:p>
+          <a:p>
+            <a:pPr marL="1085850" lvl="2" indent="-171450">
+              <a:buFont typeface="Arial" panose="020B0604020202020204" pitchFamily="34" charset="0"/>
+              <a:buChar char="•"/>
+            </a:pPr>
+            <a:endParaRPr lang="es-ES" sz="1200" dirty="0">
+              <a:solidFill>
+                <a:schemeClr val="accent4">
+                  <a:lumMod val="60000"/>
+                  <a:lumOff val="40000"/>
+                </a:schemeClr>
+              </a:solidFill>
+            </a:endParaRPr>
+          </a:p>
+          <a:p>
+            <a:pPr lvl="1"/>
+            <a:endParaRPr lang="es-ES" sz="1200" dirty="0">
+              <a:solidFill>
+                <a:schemeClr val="accent4">
+                  <a:lumMod val="60000"/>
+                  <a:lumOff val="40000"/>
+                </a:schemeClr>
+              </a:solidFill>
+            </a:endParaRPr>
+          </a:p>
+          <a:p>
+            <a:endParaRPr lang="es-ES" sz="1200" b="0" dirty="0">
+              <a:solidFill>
+                <a:srgbClr val="839496"/>
+              </a:solidFill>
+              <a:effectLst/>
+              <a:latin typeface="Consolas" panose="020B0609020204030204" pitchFamily="49" charset="0"/>
+            </a:endParaRPr>
+          </a:p>
+          <a:p>
+            <a:br>
+              <a:rPr lang="es-ES" sz="1200" b="0" dirty="0">
+                <a:solidFill>
+                  <a:srgbClr val="839496"/>
+                </a:solidFill>
+                <a:effectLst/>
+                <a:latin typeface="Consolas" panose="020B0609020204030204" pitchFamily="49" charset="0"/>
+              </a:rPr>
+            </a:br>
+            <a:endParaRPr lang="es-ES" sz="1200" b="0" dirty="0">
+              <a:solidFill>
+                <a:srgbClr val="839496"/>
+              </a:solidFill>
+              <a:effectLst/>
+              <a:latin typeface="Consolas" panose="020B0609020204030204" pitchFamily="49" charset="0"/>
+            </a:endParaRPr>
+          </a:p>
+          <a:p>
+            <a:pPr lvl="1"/>
+            <a:endParaRPr lang="es-ES" sz="1200" dirty="0">
+              <a:solidFill>
+                <a:schemeClr val="accent4">
+                  <a:lumMod val="60000"/>
+                  <a:lumOff val="40000"/>
+                </a:schemeClr>
+              </a:solidFill>
+            </a:endParaRPr>
+          </a:p>
+          <a:p>
+            <a:pPr lvl="1"/>
+            <a:endParaRPr lang="es-ES" sz="1200" dirty="0">
+              <a:solidFill>
+                <a:schemeClr val="accent4">
+                  <a:lumMod val="60000"/>
+                  <a:lumOff val="40000"/>
+                </a:schemeClr>
+              </a:solidFill>
+            </a:endParaRPr>
+          </a:p>
+          <a:p>
+            <a:pPr lvl="2"/>
+            <a:endParaRPr lang="es-ES" sz="1200" dirty="0"/>
+          </a:p>
+          <a:p>
+            <a:pPr lvl="2"/>
+            <a:endParaRPr lang="es-ES" sz="1200" dirty="0"/>
+          </a:p>
+          <a:p>
+            <a:pPr marL="628650" lvl="1" indent="-171450">
+              <a:buFont typeface="Arial" panose="020B0604020202020204" pitchFamily="34" charset="0"/>
+              <a:buChar char="•"/>
+            </a:pPr>
+            <a:endParaRPr lang="es-ES" sz="1200" i="1" dirty="0"/>
+          </a:p>
+          <a:p>
+            <a:pPr lvl="1"/>
+            <a:endParaRPr lang="es-ES" sz="1200" b="1" dirty="0"/>
+          </a:p>
+          <a:p>
+            <a:pPr lvl="1"/>
+            <a:endParaRPr lang="es-ES" sz="1200" dirty="0"/>
+          </a:p>
+          <a:p>
+            <a:pPr lvl="1"/>
+            <a:endParaRPr lang="es-ES" sz="1200" dirty="0"/>
+          </a:p>
+          <a:p>
+            <a:pPr lvl="1"/>
+            <a:endParaRPr lang="es-ES" sz="1200" dirty="0"/>
+          </a:p>
+          <a:p>
+            <a:pPr lvl="1"/>
+            <a:endParaRPr lang="es-ES" sz="1200" dirty="0">
+              <a:solidFill>
+                <a:schemeClr val="accent4">
+                  <a:lumMod val="60000"/>
+                  <a:lumOff val="40000"/>
+                </a:schemeClr>
+              </a:solidFill>
+            </a:endParaRPr>
+          </a:p>
+          <a:p>
+            <a:pPr lvl="1"/>
+            <a:endParaRPr lang="es-ES" sz="1200" dirty="0">
+              <a:solidFill>
+                <a:schemeClr val="accent4">
+                  <a:lumMod val="60000"/>
+                  <a:lumOff val="40000"/>
+                </a:schemeClr>
+              </a:solidFill>
+            </a:endParaRPr>
+          </a:p>
+          <a:p>
+            <a:pPr lvl="1"/>
+            <a:endParaRPr lang="es-ES" sz="1200" dirty="0">
+              <a:solidFill>
+                <a:schemeClr val="accent4">
+                  <a:lumMod val="60000"/>
+                  <a:lumOff val="40000"/>
+                </a:schemeClr>
+              </a:solidFill>
+            </a:endParaRPr>
+          </a:p>
+          <a:p>
+            <a:pPr lvl="1"/>
+            <a:endParaRPr lang="es-ES" sz="1200" dirty="0">
+              <a:solidFill>
+                <a:schemeClr val="accent4">
+                  <a:lumMod val="60000"/>
+                  <a:lumOff val="40000"/>
+                </a:schemeClr>
+              </a:solidFill>
+            </a:endParaRPr>
+          </a:p>
+          <a:p>
+            <a:pPr lvl="2"/>
+            <a:endParaRPr lang="es-ES" sz="1400" dirty="0">
+              <a:solidFill>
+                <a:schemeClr val="accent4">
+                  <a:lumMod val="60000"/>
+                  <a:lumOff val="40000"/>
+                </a:schemeClr>
+              </a:solidFill>
+            </a:endParaRPr>
+          </a:p>
+          <a:p>
+            <a:pPr lvl="2"/>
+            <a:endParaRPr lang="es-ES" sz="1400" dirty="0">
+              <a:solidFill>
+                <a:schemeClr val="accent1">
+                  <a:lumMod val="60000"/>
+                  <a:lumOff val="40000"/>
+                </a:schemeClr>
+              </a:solidFill>
+            </a:endParaRPr>
+          </a:p>
+          <a:p>
+            <a:pPr marL="1257300" lvl="2" indent="-342900">
+              <a:buFont typeface="+mj-lt"/>
+              <a:buAutoNum type="arabicPeriod"/>
+            </a:pPr>
+            <a:endParaRPr lang="es-ES" sz="1400" dirty="0">
+              <a:solidFill>
+                <a:schemeClr val="accent4">
+                  <a:lumMod val="60000"/>
+                  <a:lumOff val="40000"/>
+                </a:schemeClr>
+              </a:solidFill>
+            </a:endParaRPr>
+          </a:p>
+          <a:p>
+            <a:pPr lvl="1"/>
+            <a:endParaRPr lang="es-ES" sz="1400" dirty="0">
+              <a:solidFill>
+                <a:schemeClr val="accent4">
+                  <a:lumMod val="60000"/>
+                  <a:lumOff val="40000"/>
+                </a:schemeClr>
+              </a:solidFill>
+            </a:endParaRPr>
+          </a:p>
+          <a:p>
+            <a:pPr lvl="1"/>
+            <a:br>
+              <a:rPr lang="es-ES" sz="1200" dirty="0">
+                <a:solidFill>
+                  <a:schemeClr val="accent4">
+                    <a:lumMod val="60000"/>
+                    <a:lumOff val="40000"/>
+                  </a:schemeClr>
+                </a:solidFill>
+              </a:rPr>
+            </a:br>
+            <a:endParaRPr lang="es-ES" sz="1200" dirty="0">
+              <a:solidFill>
+                <a:schemeClr val="accent4">
+                  <a:lumMod val="60000"/>
+                  <a:lumOff val="40000"/>
+                </a:schemeClr>
+              </a:solidFill>
+            </a:endParaRPr>
+          </a:p>
+          <a:p>
+            <a:pPr lvl="1"/>
+            <a:endParaRPr lang="es-ES" sz="1200" dirty="0">
+              <a:solidFill>
+                <a:schemeClr val="accent1">
+                  <a:lumMod val="40000"/>
+                  <a:lumOff val="60000"/>
+                </a:schemeClr>
+              </a:solidFill>
+              <a:latin typeface="Titillium Web" panose="00000500000000000000" pitchFamily="2" charset="0"/>
+            </a:endParaRPr>
+          </a:p>
+          <a:p>
+            <a:pPr lvl="1"/>
+            <a:endParaRPr lang="es-ES" sz="1200" b="0" i="0" dirty="0">
+              <a:solidFill>
+                <a:schemeClr val="accent4">
+                  <a:lumMod val="60000"/>
+                  <a:lumOff val="40000"/>
+                </a:schemeClr>
+              </a:solidFill>
+              <a:effectLst/>
+              <a:latin typeface="Titillium Web" panose="00000500000000000000" pitchFamily="2" charset="0"/>
+            </a:endParaRPr>
+          </a:p>
+        </p:txBody>
+      </p:sp>
+      <p:pic>
+        <p:nvPicPr>
+          <p:cNvPr id="5" name="Picture 2" descr="Spring | Home">
+            <a:extLst>
+              <a:ext uri="{FF2B5EF4-FFF2-40B4-BE49-F238E27FC236}">
+                <a16:creationId xmlns:a16="http://schemas.microsoft.com/office/drawing/2014/main" id="{6CBE6F06-F98A-B85B-B6AA-917CBDD1C2C3}"/>
+              </a:ext>
+            </a:extLst>
+          </p:cNvPr>
+          <p:cNvPicPr>
+            <a:picLocks noChangeAspect="1" noChangeArrowheads="1"/>
+          </p:cNvPicPr>
+          <p:nvPr/>
+        </p:nvPicPr>
+        <p:blipFill>
+          <a:blip r:embed="rId4">
+            <a:extLst>
+              <a:ext uri="{28A0092B-C50C-407E-A947-70E740481C1C}">
+                <a14:useLocalDpi xmlns:a14="http://schemas.microsoft.com/office/drawing/2010/main" val="0"/>
+              </a:ext>
+            </a:extLst>
+          </a:blip>
+          <a:srcRect/>
+          <a:stretch>
+            <a:fillRect/>
+          </a:stretch>
+        </p:blipFill>
+        <p:spPr bwMode="auto">
+          <a:xfrm>
+            <a:off x="10666011" y="5262959"/>
+            <a:ext cx="1351386" cy="675693"/>
+          </a:xfrm>
+          <a:prstGeom prst="rect">
+            <a:avLst/>
+          </a:prstGeom>
+          <a:noFill/>
+          <a:extLst>
+            <a:ext uri="{909E8E84-426E-40DD-AFC4-6F175D3DCCD1}">
+              <a14:hiddenFill xmlns:a14="http://schemas.microsoft.com/office/drawing/2010/main">
+                <a:solidFill>
+                  <a:srgbClr val="FFFFFF"/>
+                </a:solidFill>
+              </a14:hiddenFill>
+            </a:ext>
+          </a:extLst>
+        </p:spPr>
+      </p:pic>
+      <p:sp>
+        <p:nvSpPr>
+          <p:cNvPr id="9" name="CuadroTexto 8">
+            <a:extLst>
+              <a:ext uri="{FF2B5EF4-FFF2-40B4-BE49-F238E27FC236}">
+                <a16:creationId xmlns:a16="http://schemas.microsoft.com/office/drawing/2014/main" id="{D644B738-0737-54FD-D865-CE1CBC1311FE}"/>
+              </a:ext>
+            </a:extLst>
+          </p:cNvPr>
+          <p:cNvSpPr txBox="1"/>
+          <p:nvPr/>
+        </p:nvSpPr>
+        <p:spPr>
+          <a:xfrm>
+            <a:off x="8205186" y="254604"/>
+            <a:ext cx="6094520" cy="369332"/>
+          </a:xfrm>
+          <a:prstGeom prst="rect">
+            <a:avLst/>
+          </a:prstGeom>
+          <a:noFill/>
+        </p:spPr>
+        <p:txBody>
+          <a:bodyPr wrap="square">
+            <a:spAutoFit/>
+          </a:bodyPr>
+          <a:lstStyle/>
+          <a:p>
+            <a:pPr lvl="1"/>
+            <a:r>
+              <a:rPr lang="es-ES" sz="1800" dirty="0">
+                <a:latin typeface="Titillium Web" panose="00000500000000000000" pitchFamily="2" charset="0"/>
+                <a:sym typeface="Wingdings" panose="05000000000000000000" pitchFamily="2" charset="2"/>
+              </a:rPr>
+              <a:t>Aplicación 4: </a:t>
+            </a:r>
+            <a:r>
+              <a:rPr lang="es-ES" sz="1800" dirty="0" err="1">
+                <a:latin typeface="Titillium Web" panose="00000500000000000000" pitchFamily="2" charset="0"/>
+                <a:sym typeface="Wingdings" panose="05000000000000000000" pitchFamily="2" charset="2"/>
+              </a:rPr>
+              <a:t>Demo</a:t>
+            </a:r>
+            <a:r>
+              <a:rPr lang="es-ES" dirty="0" err="1">
+                <a:latin typeface="Titillium Web" panose="00000500000000000000" pitchFamily="2" charset="0"/>
+                <a:sym typeface="Wingdings" panose="05000000000000000000" pitchFamily="2" charset="2"/>
+              </a:rPr>
+              <a:t>Rest</a:t>
+            </a:r>
+            <a:endParaRPr lang="es-ES" sz="1800" dirty="0">
+              <a:latin typeface="Titillium Web" panose="00000500000000000000" pitchFamily="2" charset="0"/>
+              <a:sym typeface="Wingdings" panose="05000000000000000000" pitchFamily="2" charset="2"/>
+            </a:endParaRPr>
+          </a:p>
+        </p:txBody>
+      </p:sp>
+      <p:pic>
+        <p:nvPicPr>
+          <p:cNvPr id="4" name="Imagen 3">
+            <a:extLst>
+              <a:ext uri="{FF2B5EF4-FFF2-40B4-BE49-F238E27FC236}">
+                <a16:creationId xmlns:a16="http://schemas.microsoft.com/office/drawing/2014/main" id="{7EF340FD-A0D3-269E-B5CE-A3EA76001506}"/>
+              </a:ext>
+            </a:extLst>
+          </p:cNvPr>
+          <p:cNvPicPr>
+            <a:picLocks noChangeAspect="1"/>
+          </p:cNvPicPr>
+          <p:nvPr/>
+        </p:nvPicPr>
+        <p:blipFill>
+          <a:blip r:embed="rId5"/>
+          <a:stretch>
+            <a:fillRect/>
+          </a:stretch>
+        </p:blipFill>
+        <p:spPr>
+          <a:xfrm>
+            <a:off x="1566249" y="3193158"/>
+            <a:ext cx="6943581" cy="1205084"/>
+          </a:xfrm>
+          <a:prstGeom prst="rect">
+            <a:avLst/>
+          </a:prstGeom>
+        </p:spPr>
+      </p:pic>
+      <p:pic>
+        <p:nvPicPr>
+          <p:cNvPr id="8" name="Imagen 7">
+            <a:extLst>
+              <a:ext uri="{FF2B5EF4-FFF2-40B4-BE49-F238E27FC236}">
+                <a16:creationId xmlns:a16="http://schemas.microsoft.com/office/drawing/2014/main" id="{2EB7D743-A526-9AF0-562E-FB7F374E2460}"/>
+              </a:ext>
+            </a:extLst>
+          </p:cNvPr>
+          <p:cNvPicPr>
+            <a:picLocks noChangeAspect="1"/>
+          </p:cNvPicPr>
+          <p:nvPr/>
+        </p:nvPicPr>
+        <p:blipFill>
+          <a:blip r:embed="rId6"/>
+          <a:stretch>
+            <a:fillRect/>
+          </a:stretch>
+        </p:blipFill>
+        <p:spPr>
+          <a:xfrm>
+            <a:off x="4345664" y="4657860"/>
+            <a:ext cx="4597328" cy="1898896"/>
+          </a:xfrm>
+          <a:prstGeom prst="rect">
+            <a:avLst/>
+          </a:prstGeom>
+        </p:spPr>
+      </p:pic>
+      <p:pic>
+        <p:nvPicPr>
+          <p:cNvPr id="10" name="Imagen 9">
+            <a:extLst>
+              <a:ext uri="{FF2B5EF4-FFF2-40B4-BE49-F238E27FC236}">
+                <a16:creationId xmlns:a16="http://schemas.microsoft.com/office/drawing/2014/main" id="{CB94A095-B692-126B-9F5F-9EDCD781008F}"/>
+              </a:ext>
+            </a:extLst>
+          </p:cNvPr>
+          <p:cNvPicPr>
+            <a:picLocks noChangeAspect="1"/>
+          </p:cNvPicPr>
+          <p:nvPr/>
+        </p:nvPicPr>
+        <p:blipFill>
+          <a:blip r:embed="rId7"/>
+          <a:stretch>
+            <a:fillRect/>
+          </a:stretch>
+        </p:blipFill>
+        <p:spPr>
+          <a:xfrm>
+            <a:off x="8056945" y="623936"/>
+            <a:ext cx="3375293" cy="1852670"/>
+          </a:xfrm>
+          <a:prstGeom prst="rect">
+            <a:avLst/>
+          </a:prstGeom>
+        </p:spPr>
+      </p:pic>
+    </p:spTree>
+    <p:extLst>
+      <p:ext uri="{BB962C8B-B14F-4D97-AF65-F5344CB8AC3E}">
+        <p14:creationId xmlns:p14="http://schemas.microsoft.com/office/powerpoint/2010/main" val="4275634121"/>
+      </p:ext>
+    </p:extLst>
+  </p:cSld>
+  <p:clrMapOvr>
+    <a:masterClrMapping/>
+  </p:clrMapOvr>
+</p:sld>
+</file>
+
+<file path=ppt/slides/slide43.xml><?xml version="1.0" encoding="utf-8"?>
+<p:sld xmlns:a="http://schemas.openxmlformats.org/drawingml/2006/main" xmlns:r="http://schemas.openxmlformats.org/officeDocument/2006/relationships" xmlns:p="http://schemas.openxmlformats.org/presentationml/2006/main">
+  <p:cSld>
+    <p:spTree>
+      <p:nvGrpSpPr>
+        <p:cNvPr id="1" name=""/>
+        <p:cNvGrpSpPr/>
+        <p:nvPr/>
+      </p:nvGrpSpPr>
+      <p:grpSpPr>
+        <a:xfrm>
+          <a:off x="0" y="0"/>
+          <a:ext cx="0" cy="0"/>
+          <a:chOff x="0" y="0"/>
+          <a:chExt cx="0" cy="0"/>
+        </a:xfrm>
+      </p:grpSpPr>
+      <p:pic>
+        <p:nvPicPr>
+          <p:cNvPr id="1032" name="Picture 8" descr="Nuestro Equipo">
+            <a:extLst>
+              <a:ext uri="{FF2B5EF4-FFF2-40B4-BE49-F238E27FC236}">
+                <a16:creationId xmlns:a16="http://schemas.microsoft.com/office/drawing/2014/main" id="{9948F5C4-A11B-BB63-E587-6CEB747BDDEB}"/>
+              </a:ext>
+            </a:extLst>
+          </p:cNvPr>
+          <p:cNvPicPr>
+            <a:picLocks noChangeAspect="1" noChangeArrowheads="1"/>
+          </p:cNvPicPr>
+          <p:nvPr/>
+        </p:nvPicPr>
+        <p:blipFill>
+          <a:blip r:embed="rId3">
+            <a:extLst>
+              <a:ext uri="{28A0092B-C50C-407E-A947-70E740481C1C}">
+                <a14:useLocalDpi xmlns:a14="http://schemas.microsoft.com/office/drawing/2010/main" val="0"/>
+              </a:ext>
+            </a:extLst>
+          </a:blip>
+          <a:srcRect/>
+          <a:stretch>
+            <a:fillRect/>
+          </a:stretch>
+        </p:blipFill>
+        <p:spPr bwMode="auto">
+          <a:xfrm>
+            <a:off x="11003858" y="6068461"/>
+            <a:ext cx="675692" cy="675692"/>
+          </a:xfrm>
+          <a:prstGeom prst="rect">
+            <a:avLst/>
+          </a:prstGeom>
+          <a:noFill/>
+          <a:extLst>
+            <a:ext uri="{909E8E84-426E-40DD-AFC4-6F175D3DCCD1}">
+              <a14:hiddenFill xmlns:a14="http://schemas.microsoft.com/office/drawing/2010/main">
+                <a:solidFill>
+                  <a:srgbClr val="FFFFFF"/>
+                </a:solidFill>
+              </a14:hiddenFill>
+            </a:ext>
+          </a:extLst>
+        </p:spPr>
+      </p:pic>
+      <p:sp>
+        <p:nvSpPr>
+          <p:cNvPr id="3" name="CuadroTexto 2">
+            <a:extLst>
+              <a:ext uri="{FF2B5EF4-FFF2-40B4-BE49-F238E27FC236}">
+                <a16:creationId xmlns:a16="http://schemas.microsoft.com/office/drawing/2014/main" id="{D1FA320B-398B-F9F1-38EA-BAF5DD083F19}"/>
+              </a:ext>
+            </a:extLst>
+          </p:cNvPr>
+          <p:cNvSpPr txBox="1"/>
+          <p:nvPr/>
+        </p:nvSpPr>
+        <p:spPr>
+          <a:xfrm>
+            <a:off x="1088869" y="623936"/>
+            <a:ext cx="9257419" cy="7325082"/>
+          </a:xfrm>
+          <a:prstGeom prst="rect">
+            <a:avLst/>
+          </a:prstGeom>
+          <a:noFill/>
+        </p:spPr>
+        <p:txBody>
+          <a:bodyPr wrap="square" rtlCol="0">
+            <a:spAutoFit/>
+          </a:bodyPr>
+          <a:lstStyle/>
+          <a:p>
+            <a:r>
+              <a:rPr lang="es-ES" dirty="0"/>
+              <a:t>SPRING FRAMEWORK</a:t>
+            </a:r>
+          </a:p>
+          <a:p>
+            <a:pPr lvl="1"/>
+            <a:endParaRPr lang="es-ES" sz="1200" dirty="0">
+              <a:solidFill>
+                <a:srgbClr val="FF0000"/>
+              </a:solidFill>
+              <a:latin typeface="Titillium Web" panose="00000500000000000000" pitchFamily="2" charset="0"/>
+            </a:endParaRPr>
+          </a:p>
+          <a:p>
+            <a:pPr lvl="1"/>
+            <a:endParaRPr lang="es-ES" sz="1200" dirty="0">
+              <a:solidFill>
+                <a:schemeClr val="accent4">
+                  <a:lumMod val="60000"/>
+                  <a:lumOff val="40000"/>
+                </a:schemeClr>
+              </a:solidFill>
+              <a:latin typeface="Titillium Web" panose="00000500000000000000" pitchFamily="2" charset="0"/>
+            </a:endParaRPr>
+          </a:p>
+          <a:p>
+            <a:pPr lvl="1"/>
+            <a:r>
+              <a:rPr lang="es-ES" sz="1200" dirty="0">
+                <a:solidFill>
+                  <a:schemeClr val="accent4">
+                    <a:lumMod val="60000"/>
+                    <a:lumOff val="40000"/>
+                  </a:schemeClr>
+                </a:solidFill>
+                <a:latin typeface="Titillium Web" panose="00000500000000000000" pitchFamily="2" charset="0"/>
+              </a:rPr>
+              <a:t>SPRING REST</a:t>
+            </a:r>
+          </a:p>
+          <a:p>
+            <a:pPr lvl="1"/>
+            <a:endParaRPr lang="es-ES" sz="1200" dirty="0">
+              <a:solidFill>
+                <a:schemeClr val="accent4">
+                  <a:lumMod val="60000"/>
+                  <a:lumOff val="40000"/>
+                </a:schemeClr>
+              </a:solidFill>
+              <a:latin typeface="Titillium Web" panose="00000500000000000000" pitchFamily="2" charset="0"/>
+            </a:endParaRPr>
+          </a:p>
+          <a:p>
+            <a:pPr lvl="1"/>
+            <a:endParaRPr lang="es-ES" sz="1200" dirty="0">
+              <a:solidFill>
+                <a:schemeClr val="accent4">
+                  <a:lumMod val="60000"/>
+                  <a:lumOff val="40000"/>
+                </a:schemeClr>
+              </a:solidFill>
+            </a:endParaRPr>
+          </a:p>
+          <a:p>
+            <a:pPr lvl="1"/>
+            <a:r>
+              <a:rPr lang="es-ES" sz="1200" dirty="0">
+                <a:solidFill>
+                  <a:schemeClr val="accent4">
+                    <a:lumMod val="60000"/>
+                    <a:lumOff val="40000"/>
+                  </a:schemeClr>
+                </a:solidFill>
+              </a:rPr>
+              <a:t>Mi primer proyecto REST en Spring</a:t>
+            </a:r>
+          </a:p>
+          <a:p>
+            <a:pPr lvl="1"/>
+            <a:endParaRPr lang="es-ES" sz="1200" dirty="0">
+              <a:solidFill>
+                <a:schemeClr val="accent4">
+                  <a:lumMod val="60000"/>
+                  <a:lumOff val="40000"/>
+                </a:schemeClr>
+              </a:solidFill>
+            </a:endParaRPr>
+          </a:p>
+          <a:p>
+            <a:pPr lvl="1"/>
+            <a:r>
+              <a:rPr lang="es-ES" sz="1200" dirty="0"/>
+              <a:t>Estructura de un fichero JSON. </a:t>
+            </a:r>
+          </a:p>
+          <a:p>
+            <a:pPr lvl="1"/>
+            <a:endParaRPr lang="es-ES" sz="1200" dirty="0"/>
+          </a:p>
+          <a:p>
+            <a:pPr lvl="1"/>
+            <a:endParaRPr lang="es-ES" sz="1200" dirty="0"/>
+          </a:p>
+          <a:p>
+            <a:pPr lvl="1"/>
+            <a:endParaRPr lang="es-ES" sz="1200" dirty="0">
+              <a:solidFill>
+                <a:schemeClr val="accent4">
+                  <a:lumMod val="60000"/>
+                  <a:lumOff val="40000"/>
+                </a:schemeClr>
+              </a:solidFill>
+            </a:endParaRPr>
+          </a:p>
+          <a:p>
+            <a:pPr marL="1085850" lvl="2" indent="-171450">
+              <a:buFont typeface="Arial" panose="020B0604020202020204" pitchFamily="34" charset="0"/>
+              <a:buChar char="•"/>
+            </a:pPr>
+            <a:endParaRPr lang="es-ES" sz="1200" dirty="0">
+              <a:solidFill>
+                <a:schemeClr val="accent4">
+                  <a:lumMod val="60000"/>
+                  <a:lumOff val="40000"/>
+                </a:schemeClr>
+              </a:solidFill>
+            </a:endParaRPr>
+          </a:p>
+          <a:p>
+            <a:pPr lvl="1"/>
+            <a:endParaRPr lang="es-ES" sz="1200" dirty="0">
+              <a:solidFill>
+                <a:schemeClr val="accent4">
+                  <a:lumMod val="60000"/>
+                  <a:lumOff val="40000"/>
+                </a:schemeClr>
+              </a:solidFill>
+            </a:endParaRPr>
+          </a:p>
+          <a:p>
+            <a:endParaRPr lang="es-ES" sz="1200" b="0" dirty="0">
+              <a:solidFill>
+                <a:srgbClr val="839496"/>
+              </a:solidFill>
+              <a:effectLst/>
+              <a:latin typeface="Consolas" panose="020B0609020204030204" pitchFamily="49" charset="0"/>
+            </a:endParaRPr>
+          </a:p>
+          <a:p>
+            <a:br>
+              <a:rPr lang="es-ES" sz="1200" b="0" dirty="0">
+                <a:solidFill>
+                  <a:srgbClr val="839496"/>
+                </a:solidFill>
+                <a:effectLst/>
+                <a:latin typeface="Consolas" panose="020B0609020204030204" pitchFamily="49" charset="0"/>
+              </a:rPr>
+            </a:br>
+            <a:endParaRPr lang="es-ES" sz="1200" b="0" dirty="0">
+              <a:solidFill>
+                <a:srgbClr val="839496"/>
+              </a:solidFill>
+              <a:effectLst/>
+              <a:latin typeface="Consolas" panose="020B0609020204030204" pitchFamily="49" charset="0"/>
+            </a:endParaRPr>
+          </a:p>
+          <a:p>
+            <a:pPr lvl="1"/>
+            <a:endParaRPr lang="es-ES" sz="1200" dirty="0">
+              <a:solidFill>
+                <a:schemeClr val="accent4">
+                  <a:lumMod val="60000"/>
+                  <a:lumOff val="40000"/>
+                </a:schemeClr>
+              </a:solidFill>
+            </a:endParaRPr>
+          </a:p>
+          <a:p>
+            <a:pPr lvl="1"/>
+            <a:endParaRPr lang="es-ES" sz="1200" dirty="0">
+              <a:solidFill>
+                <a:schemeClr val="accent4">
+                  <a:lumMod val="60000"/>
+                  <a:lumOff val="40000"/>
+                </a:schemeClr>
+              </a:solidFill>
+            </a:endParaRPr>
+          </a:p>
+          <a:p>
+            <a:pPr lvl="2"/>
+            <a:endParaRPr lang="es-ES" sz="1200" dirty="0"/>
+          </a:p>
+          <a:p>
+            <a:pPr lvl="2"/>
+            <a:endParaRPr lang="es-ES" sz="1200" dirty="0"/>
+          </a:p>
+          <a:p>
+            <a:pPr marL="628650" lvl="1" indent="-171450">
+              <a:buFont typeface="Arial" panose="020B0604020202020204" pitchFamily="34" charset="0"/>
+              <a:buChar char="•"/>
+            </a:pPr>
+            <a:endParaRPr lang="es-ES" sz="1200" i="1" dirty="0"/>
+          </a:p>
+          <a:p>
+            <a:pPr lvl="1"/>
+            <a:endParaRPr lang="es-ES" sz="1200" b="1" dirty="0"/>
+          </a:p>
+          <a:p>
+            <a:pPr lvl="1"/>
+            <a:endParaRPr lang="es-ES" sz="1200" dirty="0"/>
+          </a:p>
+          <a:p>
+            <a:pPr lvl="1"/>
+            <a:endParaRPr lang="es-ES" sz="1200" dirty="0"/>
+          </a:p>
+          <a:p>
+            <a:pPr lvl="1"/>
+            <a:endParaRPr lang="es-ES" sz="1200" dirty="0"/>
+          </a:p>
+          <a:p>
+            <a:pPr lvl="1"/>
+            <a:endParaRPr lang="es-ES" sz="1200" dirty="0">
+              <a:solidFill>
+                <a:schemeClr val="accent4">
+                  <a:lumMod val="60000"/>
+                  <a:lumOff val="40000"/>
+                </a:schemeClr>
+              </a:solidFill>
+            </a:endParaRPr>
+          </a:p>
+          <a:p>
+            <a:pPr lvl="1"/>
+            <a:endParaRPr lang="es-ES" sz="1200" dirty="0">
+              <a:solidFill>
+                <a:schemeClr val="accent4">
+                  <a:lumMod val="60000"/>
+                  <a:lumOff val="40000"/>
+                </a:schemeClr>
+              </a:solidFill>
+            </a:endParaRPr>
+          </a:p>
+          <a:p>
+            <a:pPr lvl="1"/>
+            <a:endParaRPr lang="es-ES" sz="1200" dirty="0">
+              <a:solidFill>
+                <a:schemeClr val="accent4">
+                  <a:lumMod val="60000"/>
+                  <a:lumOff val="40000"/>
+                </a:schemeClr>
+              </a:solidFill>
+            </a:endParaRPr>
+          </a:p>
+          <a:p>
+            <a:pPr lvl="1"/>
+            <a:endParaRPr lang="es-ES" sz="1200" dirty="0">
+              <a:solidFill>
+                <a:schemeClr val="accent4">
+                  <a:lumMod val="60000"/>
+                  <a:lumOff val="40000"/>
+                </a:schemeClr>
+              </a:solidFill>
+            </a:endParaRPr>
+          </a:p>
+          <a:p>
+            <a:pPr lvl="2"/>
+            <a:endParaRPr lang="es-ES" sz="1400" dirty="0">
+              <a:solidFill>
+                <a:schemeClr val="accent4">
+                  <a:lumMod val="60000"/>
+                  <a:lumOff val="40000"/>
+                </a:schemeClr>
+              </a:solidFill>
+            </a:endParaRPr>
+          </a:p>
+          <a:p>
+            <a:pPr lvl="2"/>
+            <a:endParaRPr lang="es-ES" sz="1400" dirty="0">
+              <a:solidFill>
+                <a:schemeClr val="accent1">
+                  <a:lumMod val="60000"/>
+                  <a:lumOff val="40000"/>
+                </a:schemeClr>
+              </a:solidFill>
+            </a:endParaRPr>
+          </a:p>
+          <a:p>
+            <a:pPr marL="1257300" lvl="2" indent="-342900">
+              <a:buFont typeface="+mj-lt"/>
+              <a:buAutoNum type="arabicPeriod"/>
+            </a:pPr>
+            <a:endParaRPr lang="es-ES" sz="1400" dirty="0">
+              <a:solidFill>
+                <a:schemeClr val="accent4">
+                  <a:lumMod val="60000"/>
+                  <a:lumOff val="40000"/>
+                </a:schemeClr>
+              </a:solidFill>
+            </a:endParaRPr>
+          </a:p>
+          <a:p>
+            <a:pPr lvl="1"/>
+            <a:endParaRPr lang="es-ES" sz="1400" dirty="0">
+              <a:solidFill>
+                <a:schemeClr val="accent4">
+                  <a:lumMod val="60000"/>
+                  <a:lumOff val="40000"/>
+                </a:schemeClr>
+              </a:solidFill>
+            </a:endParaRPr>
+          </a:p>
+          <a:p>
+            <a:pPr lvl="1"/>
+            <a:br>
+              <a:rPr lang="es-ES" sz="1200" dirty="0">
+                <a:solidFill>
+                  <a:schemeClr val="accent4">
+                    <a:lumMod val="60000"/>
+                    <a:lumOff val="40000"/>
+                  </a:schemeClr>
+                </a:solidFill>
+              </a:rPr>
+            </a:br>
+            <a:endParaRPr lang="es-ES" sz="1200" dirty="0">
+              <a:solidFill>
+                <a:schemeClr val="accent4">
+                  <a:lumMod val="60000"/>
+                  <a:lumOff val="40000"/>
+                </a:schemeClr>
+              </a:solidFill>
+            </a:endParaRPr>
+          </a:p>
+          <a:p>
+            <a:pPr lvl="1"/>
+            <a:endParaRPr lang="es-ES" sz="1200" dirty="0">
+              <a:solidFill>
+                <a:schemeClr val="accent1">
+                  <a:lumMod val="40000"/>
+                  <a:lumOff val="60000"/>
+                </a:schemeClr>
+              </a:solidFill>
+              <a:latin typeface="Titillium Web" panose="00000500000000000000" pitchFamily="2" charset="0"/>
+            </a:endParaRPr>
+          </a:p>
+          <a:p>
+            <a:pPr lvl="1"/>
+            <a:endParaRPr lang="es-ES" sz="1200" b="0" i="0" dirty="0">
+              <a:solidFill>
+                <a:schemeClr val="accent4">
+                  <a:lumMod val="60000"/>
+                  <a:lumOff val="40000"/>
+                </a:schemeClr>
+              </a:solidFill>
+              <a:effectLst/>
+              <a:latin typeface="Titillium Web" panose="00000500000000000000" pitchFamily="2" charset="0"/>
+            </a:endParaRPr>
+          </a:p>
+        </p:txBody>
+      </p:sp>
+      <p:pic>
+        <p:nvPicPr>
+          <p:cNvPr id="5" name="Picture 2" descr="Spring | Home">
+            <a:extLst>
+              <a:ext uri="{FF2B5EF4-FFF2-40B4-BE49-F238E27FC236}">
+                <a16:creationId xmlns:a16="http://schemas.microsoft.com/office/drawing/2014/main" id="{6CBE6F06-F98A-B85B-B6AA-917CBDD1C2C3}"/>
+              </a:ext>
+            </a:extLst>
+          </p:cNvPr>
+          <p:cNvPicPr>
+            <a:picLocks noChangeAspect="1" noChangeArrowheads="1"/>
+          </p:cNvPicPr>
+          <p:nvPr/>
+        </p:nvPicPr>
+        <p:blipFill>
+          <a:blip r:embed="rId4">
+            <a:extLst>
+              <a:ext uri="{28A0092B-C50C-407E-A947-70E740481C1C}">
+                <a14:useLocalDpi xmlns:a14="http://schemas.microsoft.com/office/drawing/2010/main" val="0"/>
+              </a:ext>
+            </a:extLst>
+          </a:blip>
+          <a:srcRect/>
+          <a:stretch>
+            <a:fillRect/>
+          </a:stretch>
+        </p:blipFill>
+        <p:spPr bwMode="auto">
+          <a:xfrm>
+            <a:off x="10666011" y="5262959"/>
+            <a:ext cx="1351386" cy="675693"/>
+          </a:xfrm>
+          <a:prstGeom prst="rect">
+            <a:avLst/>
+          </a:prstGeom>
+          <a:noFill/>
+          <a:extLst>
+            <a:ext uri="{909E8E84-426E-40DD-AFC4-6F175D3DCCD1}">
+              <a14:hiddenFill xmlns:a14="http://schemas.microsoft.com/office/drawing/2010/main">
+                <a:solidFill>
+                  <a:srgbClr val="FFFFFF"/>
+                </a:solidFill>
+              </a14:hiddenFill>
+            </a:ext>
+          </a:extLst>
+        </p:spPr>
+      </p:pic>
+      <p:sp>
+        <p:nvSpPr>
+          <p:cNvPr id="9" name="CuadroTexto 8">
+            <a:extLst>
+              <a:ext uri="{FF2B5EF4-FFF2-40B4-BE49-F238E27FC236}">
+                <a16:creationId xmlns:a16="http://schemas.microsoft.com/office/drawing/2014/main" id="{D644B738-0737-54FD-D865-CE1CBC1311FE}"/>
+              </a:ext>
+            </a:extLst>
+          </p:cNvPr>
+          <p:cNvSpPr txBox="1"/>
+          <p:nvPr/>
+        </p:nvSpPr>
+        <p:spPr>
+          <a:xfrm>
+            <a:off x="8205186" y="254604"/>
+            <a:ext cx="6094520" cy="369332"/>
+          </a:xfrm>
+          <a:prstGeom prst="rect">
+            <a:avLst/>
+          </a:prstGeom>
+          <a:noFill/>
+        </p:spPr>
+        <p:txBody>
+          <a:bodyPr wrap="square">
+            <a:spAutoFit/>
+          </a:bodyPr>
+          <a:lstStyle/>
+          <a:p>
+            <a:pPr lvl="1"/>
+            <a:r>
+              <a:rPr lang="es-ES" sz="1800" dirty="0">
+                <a:latin typeface="Titillium Web" panose="00000500000000000000" pitchFamily="2" charset="0"/>
+                <a:sym typeface="Wingdings" panose="05000000000000000000" pitchFamily="2" charset="2"/>
+              </a:rPr>
+              <a:t>Aplicación 4: </a:t>
+            </a:r>
+            <a:r>
+              <a:rPr lang="es-ES" sz="1800" dirty="0" err="1">
+                <a:latin typeface="Titillium Web" panose="00000500000000000000" pitchFamily="2" charset="0"/>
+                <a:sym typeface="Wingdings" panose="05000000000000000000" pitchFamily="2" charset="2"/>
+              </a:rPr>
+              <a:t>Demo</a:t>
+            </a:r>
+            <a:r>
+              <a:rPr lang="es-ES" dirty="0" err="1">
+                <a:latin typeface="Titillium Web" panose="00000500000000000000" pitchFamily="2" charset="0"/>
+                <a:sym typeface="Wingdings" panose="05000000000000000000" pitchFamily="2" charset="2"/>
+              </a:rPr>
+              <a:t>Rest</a:t>
+            </a:r>
+            <a:endParaRPr lang="es-ES" sz="1800" dirty="0">
+              <a:latin typeface="Titillium Web" panose="00000500000000000000" pitchFamily="2" charset="0"/>
+              <a:sym typeface="Wingdings" panose="05000000000000000000" pitchFamily="2" charset="2"/>
+            </a:endParaRPr>
+          </a:p>
+        </p:txBody>
+      </p:sp>
+    </p:spTree>
+    <p:extLst>
+      <p:ext uri="{BB962C8B-B14F-4D97-AF65-F5344CB8AC3E}">
+        <p14:creationId xmlns:p14="http://schemas.microsoft.com/office/powerpoint/2010/main" val="3588964573"/>
       </p:ext>
     </p:extLst>
   </p:cSld>
